--- a/Model Slide RODeO.pptx
+++ b/Model Slide RODeO.pptx
@@ -7,10 +7,13 @@
     <p:sldMasterId id="2147483696" r:id="rId3"/>
   </p:sldMasterIdLst>
   <p:notesMasterIdLst>
-    <p:notesMasterId r:id="rId5"/>
+    <p:notesMasterId r:id="rId8"/>
   </p:notesMasterIdLst>
   <p:sldIdLst>
     <p:sldId id="275" r:id="rId4"/>
+    <p:sldId id="278" r:id="rId5"/>
+    <p:sldId id="277" r:id="rId6"/>
+    <p:sldId id="276" r:id="rId7"/>
   </p:sldIdLst>
   <p:sldSz cx="9144000" cy="6858000" type="screen4x3"/>
   <p:notesSz cx="7010400" cy="9296400"/>
@@ -130,9 +133,7 @@
 
 <file path=ppt/commentAuthors.xml><?xml version="1.0" encoding="utf-8"?>
 <p:cmAuthorLst xmlns:a="http://schemas.openxmlformats.org/drawingml/2006/main" xmlns:r="http://schemas.openxmlformats.org/officeDocument/2006/relationships" xmlns:p="http://schemas.openxmlformats.org/presentationml/2006/main">
-  <p:cmAuthor id="1" name="Bloom, Aaron" initials="BA" lastIdx="4" clrIdx="0">
-    <p:extLst/>
-  </p:cmAuthor>
+  <p:cmAuthor id="1" name="Bloom, Aaron" initials="BA" lastIdx="4" clrIdx="0"/>
 </p:cmAuthorLst>
 </file>
 
@@ -218,7 +219,7 @@
           <a:p>
             <a:fld id="{DE45BC25-7985-425F-9FBB-3C38CB2116A1}" type="datetimeFigureOut">
               <a:rPr lang="en-US" smtClean="0"/>
-              <a:t>3/8/2019</a:t>
+              <a:t>5/12/2020</a:t>
             </a:fld>
             <a:endParaRPr lang="en-US"/>
           </a:p>
@@ -665,7 +666,7 @@
             <a:fld id="{1D8BD707-D9CF-40AE-B4C6-C98DA3205C09}" type="datetimeFigureOut">
               <a:rPr lang="en-US" smtClean="0"/>
               <a:pPr/>
-              <a:t>3/8/2019</a:t>
+              <a:t>5/12/2020</a:t>
             </a:fld>
             <a:endParaRPr lang="en-US"/>
           </a:p>
@@ -830,7 +831,7 @@
             <a:fld id="{1D8BD707-D9CF-40AE-B4C6-C98DA3205C09}" type="datetimeFigureOut">
               <a:rPr lang="en-US" smtClean="0"/>
               <a:pPr/>
-              <a:t>3/8/2019</a:t>
+              <a:t>5/12/2020</a:t>
             </a:fld>
             <a:endParaRPr lang="en-US"/>
           </a:p>
@@ -1005,7 +1006,7 @@
             <a:fld id="{1D8BD707-D9CF-40AE-B4C6-C98DA3205C09}" type="datetimeFigureOut">
               <a:rPr lang="en-US" smtClean="0"/>
               <a:pPr/>
-              <a:t>3/8/2019</a:t>
+              <a:t>5/12/2020</a:t>
             </a:fld>
             <a:endParaRPr lang="en-US"/>
           </a:p>
@@ -1253,7 +1254,7 @@
                 </a:solidFill>
               </a:rPr>
               <a:pPr/>
-              <a:t>3/8/2019</a:t>
+              <a:t>5/12/2020</a:t>
             </a:fld>
             <a:endParaRPr lang="en-US">
               <a:solidFill>
@@ -1467,7 +1468,7 @@
                 </a:solidFill>
               </a:rPr>
               <a:pPr/>
-              <a:t>3/8/2019</a:t>
+              <a:t>5/12/2020</a:t>
             </a:fld>
             <a:endParaRPr lang="en-US">
               <a:solidFill>
@@ -1747,7 +1748,7 @@
                 </a:solidFill>
               </a:rPr>
               <a:pPr/>
-              <a:t>3/8/2019</a:t>
+              <a:t>5/12/2020</a:t>
             </a:fld>
             <a:endParaRPr lang="en-US">
               <a:solidFill>
@@ -2067,7 +2068,7 @@
                 </a:solidFill>
               </a:rPr>
               <a:pPr/>
-              <a:t>3/8/2019</a:t>
+              <a:t>5/12/2020</a:t>
             </a:fld>
             <a:endParaRPr lang="en-US">
               <a:solidFill>
@@ -2521,7 +2522,7 @@
                 </a:solidFill>
               </a:rPr>
               <a:pPr/>
-              <a:t>3/8/2019</a:t>
+              <a:t>5/12/2020</a:t>
             </a:fld>
             <a:endParaRPr lang="en-US">
               <a:solidFill>
@@ -2673,7 +2674,7 @@
                 </a:solidFill>
               </a:rPr>
               <a:pPr/>
-              <a:t>3/8/2019</a:t>
+              <a:t>5/12/2020</a:t>
             </a:fld>
             <a:endParaRPr lang="en-US">
               <a:solidFill>
@@ -2803,7 +2804,7 @@
                 </a:solidFill>
               </a:rPr>
               <a:pPr/>
-              <a:t>3/8/2019</a:t>
+              <a:t>5/12/2020</a:t>
             </a:fld>
             <a:endParaRPr lang="en-US">
               <a:solidFill>
@@ -3113,7 +3114,7 @@
                 </a:solidFill>
               </a:rPr>
               <a:pPr/>
-              <a:t>3/8/2019</a:t>
+              <a:t>5/12/2020</a:t>
             </a:fld>
             <a:endParaRPr lang="en-US">
               <a:solidFill>
@@ -3310,7 +3311,7 @@
             <a:fld id="{1D8BD707-D9CF-40AE-B4C6-C98DA3205C09}" type="datetimeFigureOut">
               <a:rPr lang="en-US" smtClean="0"/>
               <a:pPr/>
-              <a:t>3/8/2019</a:t>
+              <a:t>5/12/2020</a:t>
             </a:fld>
             <a:endParaRPr lang="en-US"/>
           </a:p>
@@ -3568,7 +3569,7 @@
                 </a:solidFill>
               </a:rPr>
               <a:pPr/>
-              <a:t>3/8/2019</a:t>
+              <a:t>5/12/2020</a:t>
             </a:fld>
             <a:endParaRPr lang="en-US">
               <a:solidFill>
@@ -3771,7 +3772,7 @@
                 </a:solidFill>
               </a:rPr>
               <a:pPr/>
-              <a:t>3/8/2019</a:t>
+              <a:t>5/12/2020</a:t>
             </a:fld>
             <a:endParaRPr lang="en-US">
               <a:solidFill>
@@ -3984,7 +3985,7 @@
                 </a:solidFill>
               </a:rPr>
               <a:pPr/>
-              <a:t>3/8/2019</a:t>
+              <a:t>5/12/2020</a:t>
             </a:fld>
             <a:endParaRPr lang="en-US">
               <a:solidFill>
@@ -4264,7 +4265,7 @@
                 </a:solidFill>
               </a:rPr>
               <a:pPr/>
-              <a:t>3/8/2019</a:t>
+              <a:t>5/12/2020</a:t>
             </a:fld>
             <a:endParaRPr lang="en-US">
               <a:solidFill>
@@ -4478,7 +4479,7 @@
                 </a:solidFill>
               </a:rPr>
               <a:pPr/>
-              <a:t>3/8/2019</a:t>
+              <a:t>5/12/2020</a:t>
             </a:fld>
             <a:endParaRPr lang="en-US">
               <a:solidFill>
@@ -4758,7 +4759,7 @@
                 </a:solidFill>
               </a:rPr>
               <a:pPr/>
-              <a:t>3/8/2019</a:t>
+              <a:t>5/12/2020</a:t>
             </a:fld>
             <a:endParaRPr lang="en-US">
               <a:solidFill>
@@ -5078,7 +5079,7 @@
                 </a:solidFill>
               </a:rPr>
               <a:pPr/>
-              <a:t>3/8/2019</a:t>
+              <a:t>5/12/2020</a:t>
             </a:fld>
             <a:endParaRPr lang="en-US">
               <a:solidFill>
@@ -5532,7 +5533,7 @@
                 </a:solidFill>
               </a:rPr>
               <a:pPr/>
-              <a:t>3/8/2019</a:t>
+              <a:t>5/12/2020</a:t>
             </a:fld>
             <a:endParaRPr lang="en-US">
               <a:solidFill>
@@ -5684,7 +5685,7 @@
                 </a:solidFill>
               </a:rPr>
               <a:pPr/>
-              <a:t>3/8/2019</a:t>
+              <a:t>5/12/2020</a:t>
             </a:fld>
             <a:endParaRPr lang="en-US">
               <a:solidFill>
@@ -5814,7 +5815,7 @@
                 </a:solidFill>
               </a:rPr>
               <a:pPr/>
-              <a:t>3/8/2019</a:t>
+              <a:t>5/12/2020</a:t>
             </a:fld>
             <a:endParaRPr lang="en-US">
               <a:solidFill>
@@ -6088,7 +6089,7 @@
             <a:fld id="{1D8BD707-D9CF-40AE-B4C6-C98DA3205C09}" type="datetimeFigureOut">
               <a:rPr lang="en-US" smtClean="0"/>
               <a:pPr/>
-              <a:t>3/8/2019</a:t>
+              <a:t>5/12/2020</a:t>
             </a:fld>
             <a:endParaRPr lang="en-US"/>
           </a:p>
@@ -6366,7 +6367,7 @@
                 </a:solidFill>
               </a:rPr>
               <a:pPr/>
-              <a:t>3/8/2019</a:t>
+              <a:t>5/12/2020</a:t>
             </a:fld>
             <a:endParaRPr lang="en-US">
               <a:solidFill>
@@ -6656,7 +6657,7 @@
                 </a:solidFill>
               </a:rPr>
               <a:pPr/>
-              <a:t>3/8/2019</a:t>
+              <a:t>5/12/2020</a:t>
             </a:fld>
             <a:endParaRPr lang="en-US">
               <a:solidFill>
@@ -6859,7 +6860,7 @@
                 </a:solidFill>
               </a:rPr>
               <a:pPr/>
-              <a:t>3/8/2019</a:t>
+              <a:t>5/12/2020</a:t>
             </a:fld>
             <a:endParaRPr lang="en-US">
               <a:solidFill>
@@ -7072,7 +7073,7 @@
                 </a:solidFill>
               </a:rPr>
               <a:pPr/>
-              <a:t>3/8/2019</a:t>
+              <a:t>5/12/2020</a:t>
             </a:fld>
             <a:endParaRPr lang="en-US">
               <a:solidFill>
@@ -7386,7 +7387,7 @@
             <a:fld id="{1D8BD707-D9CF-40AE-B4C6-C98DA3205C09}" type="datetimeFigureOut">
               <a:rPr lang="en-US" smtClean="0"/>
               <a:pPr/>
-              <a:t>3/8/2019</a:t>
+              <a:t>5/12/2020</a:t>
             </a:fld>
             <a:endParaRPr lang="en-US"/>
           </a:p>
@@ -7802,7 +7803,7 @@
             <a:fld id="{1D8BD707-D9CF-40AE-B4C6-C98DA3205C09}" type="datetimeFigureOut">
               <a:rPr lang="en-US" smtClean="0"/>
               <a:pPr/>
-              <a:t>3/8/2019</a:t>
+              <a:t>5/12/2020</a:t>
             </a:fld>
             <a:endParaRPr lang="en-US"/>
           </a:p>
@@ -7916,7 +7917,7 @@
             <a:fld id="{1D8BD707-D9CF-40AE-B4C6-C98DA3205C09}" type="datetimeFigureOut">
               <a:rPr lang="en-US" smtClean="0"/>
               <a:pPr/>
-              <a:t>3/8/2019</a:t>
+              <a:t>5/12/2020</a:t>
             </a:fld>
             <a:endParaRPr lang="en-US"/>
           </a:p>
@@ -8008,7 +8009,7 @@
             <a:fld id="{1D8BD707-D9CF-40AE-B4C6-C98DA3205C09}" type="datetimeFigureOut">
               <a:rPr lang="en-US" smtClean="0"/>
               <a:pPr/>
-              <a:t>3/8/2019</a:t>
+              <a:t>5/12/2020</a:t>
             </a:fld>
             <a:endParaRPr lang="en-US"/>
           </a:p>
@@ -8280,7 +8281,7 @@
             <a:fld id="{1D8BD707-D9CF-40AE-B4C6-C98DA3205C09}" type="datetimeFigureOut">
               <a:rPr lang="en-US" smtClean="0"/>
               <a:pPr/>
-              <a:t>3/8/2019</a:t>
+              <a:t>5/12/2020</a:t>
             </a:fld>
             <a:endParaRPr lang="en-US"/>
           </a:p>
@@ -8529,7 +8530,7 @@
             <a:fld id="{1D8BD707-D9CF-40AE-B4C6-C98DA3205C09}" type="datetimeFigureOut">
               <a:rPr lang="en-US" smtClean="0"/>
               <a:pPr/>
-              <a:t>3/8/2019</a:t>
+              <a:t>5/12/2020</a:t>
             </a:fld>
             <a:endParaRPr lang="en-US"/>
           </a:p>
@@ -8737,7 +8738,7 @@
             <a:fld id="{1D8BD707-D9CF-40AE-B4C6-C98DA3205C09}" type="datetimeFigureOut">
               <a:rPr lang="en-US" smtClean="0"/>
               <a:pPr/>
-              <a:t>3/8/2019</a:t>
+              <a:t>5/12/2020</a:t>
             </a:fld>
             <a:endParaRPr lang="en-US"/>
           </a:p>
@@ -9236,7 +9237,7 @@
                 </a:solidFill>
               </a:rPr>
               <a:pPr defTabSz="913972"/>
-              <a:t>3/8/2019</a:t>
+              <a:t>5/12/2020</a:t>
             </a:fld>
             <a:endParaRPr lang="en-US">
               <a:solidFill>
@@ -9890,7 +9891,7 @@
                 </a:solidFill>
               </a:rPr>
               <a:pPr defTabSz="914079"/>
-              <a:t>3/8/2019</a:t>
+              <a:t>5/12/2020</a:t>
             </a:fld>
             <a:endParaRPr lang="en-US">
               <a:solidFill>
@@ -10426,7 +10427,7 @@
         </p:nvCxnSpPr>
         <p:spPr>
           <a:xfrm>
-            <a:off x="483300" y="3572019"/>
+            <a:off x="483300" y="3515032"/>
             <a:ext cx="4040370" cy="0"/>
           </a:xfrm>
           <a:prstGeom prst="line">
@@ -10486,8 +10487,8 @@
         </p:nvSpPr>
         <p:spPr>
           <a:xfrm>
-            <a:off x="2903428" y="121963"/>
-            <a:ext cx="3337144" cy="359850"/>
+            <a:off x="762001" y="121963"/>
+            <a:ext cx="7564207" cy="359850"/>
           </a:xfrm>
           <a:prstGeom prst="rect">
             <a:avLst/>
@@ -10495,18 +10496,23 @@
           <a:noFill/>
         </p:spPr>
         <p:txBody>
-          <a:bodyPr wrap="none" lIns="82048" tIns="41025" rIns="82048" bIns="41025" rtlCol="0">
+          <a:bodyPr wrap="square" lIns="82048" tIns="41025" rIns="82048" bIns="41025" rtlCol="0">
             <a:spAutoFit/>
           </a:bodyPr>
           <a:lstStyle/>
           <a:p>
+            <a:pPr algn="ctr"/>
+            <a:r>
+              <a:rPr lang="en-US" b="1" dirty="0"/>
+              <a:t>Revenue, Operation, and Device Optimization Model (</a:t>
+            </a:r>
             <a:r>
               <a:rPr lang="en-US" b="1" dirty="0" err="1"/>
               <a:t>RODeO</a:t>
             </a:r>
             <a:r>
               <a:rPr lang="en-US" b="1" dirty="0"/>
-              <a:t> (Fixed-price optimization)</a:t>
+              <a:t>)</a:t>
             </a:r>
           </a:p>
         </p:txBody>
@@ -10553,7 +10559,7 @@
             </a:r>
             <a:r>
               <a:rPr lang="en-US" sz="1400" dirty="0"/>
-              <a:t> (Revenue, Operation, and Device Optimization)</a:t>
+              <a:t> (Revenue, Operation, and Device Optimization) </a:t>
             </a:r>
           </a:p>
           <a:p>
@@ -10671,7 +10677,7 @@
             </a:pPr>
             <a:r>
               <a:rPr lang="en-US" sz="1400" dirty="0"/>
-              <a:t>Use of HPC: No</a:t>
+              <a:t>Use of HPC: Possible</a:t>
             </a:r>
           </a:p>
           <a:p>
@@ -10711,7 +10717,7 @@
             </a:pPr>
             <a:r>
               <a:rPr lang="en-US" sz="1400" dirty="0"/>
-              <a:t>License:  Internal only</a:t>
+              <a:t>License:  Exploring open-sourcing</a:t>
             </a:r>
           </a:p>
           <a:p>
@@ -10784,8 +10790,8 @@
         </p:nvSpPr>
         <p:spPr>
           <a:xfrm>
-            <a:off x="196972" y="3697400"/>
-            <a:ext cx="4293357" cy="3099062"/>
+            <a:off x="167154" y="3542072"/>
+            <a:ext cx="4356516" cy="3314505"/>
           </a:xfrm>
           <a:prstGeom prst="rect">
             <a:avLst/>
@@ -10812,7 +10818,7 @@
               <a:rPr lang="en-US" sz="1400" dirty="0">
                 <a:hlinkClick r:id="rId4"/>
               </a:rPr>
-              <a:t>Wholesale market revenue comparison</a:t>
+              <a:t>Multi-market optimization</a:t>
             </a:r>
             <a:r>
               <a:rPr lang="en-US" sz="1400" dirty="0"/>
@@ -10822,21 +10828,51 @@
               <a:rPr lang="en-US" sz="1400" dirty="0">
                 <a:hlinkClick r:id="rId5"/>
               </a:rPr>
-              <a:t>Hydrogen business case assessment</a:t>
+              <a:t>Wholesale market revenue comparison</a:t>
             </a:r>
             <a:r>
               <a:rPr lang="en-US" sz="1400" dirty="0"/>
-              <a:t>, Retail rate optimization, Off-shore wind revenue, </a:t>
+              <a:t>, </a:t>
             </a:r>
             <a:r>
               <a:rPr lang="en-US" sz="1400" dirty="0">
                 <a:hlinkClick r:id="rId6"/>
               </a:rPr>
+              <a:t>Hydrogen business case assessment</a:t>
+            </a:r>
+            <a:r>
+              <a:rPr lang="en-US" sz="1400" dirty="0"/>
+              <a:t>, </a:t>
+            </a:r>
+            <a:r>
+              <a:rPr lang="en-US" sz="1400" dirty="0">
+                <a:hlinkClick r:id="rId7"/>
+              </a:rPr>
+              <a:t>Retail rate optimization</a:t>
+            </a:r>
+            <a:r>
+              <a:rPr lang="en-US" sz="1400" dirty="0"/>
+              <a:t>, Off-shore wind farm revenue, </a:t>
+            </a:r>
+            <a:r>
+              <a:rPr lang="en-US" sz="1400" dirty="0">
+                <a:hlinkClick r:id="rId8"/>
+              </a:rPr>
               <a:t>PV+Storage</a:t>
             </a:r>
             <a:r>
               <a:rPr lang="en-US" sz="1400" dirty="0"/>
-              <a:t>, Real-time optimization control of electrolyzer, Planning for EV bus rollout</a:t>
+              <a:t>, </a:t>
+            </a:r>
+            <a:r>
+              <a:rPr lang="en-US" sz="1400" dirty="0">
+                <a:hlinkClick r:id="rId9"/>
+              </a:rPr>
+              <a:t>Real-time optimization control of electrolyzer</a:t>
+            </a:r>
+            <a:r>
+              <a:rPr lang="en-US" sz="1400" dirty="0"/>
+              <a:t>, Fleet-wide EV bus optimization optimization</a:t>
             </a:r>
           </a:p>
           <a:p>
@@ -10856,15 +10892,7 @@
             </a:pPr>
             <a:r>
               <a:rPr lang="en-US" sz="1400" dirty="0"/>
-              <a:t>How should a device(s) operate to maximize revenue. With a focus on </a:t>
-            </a:r>
-            <a:r>
-              <a:rPr lang="en-US" sz="1400"/>
-              <a:t>storage and </a:t>
-            </a:r>
-            <a:r>
-              <a:rPr lang="en-US" sz="1400" dirty="0"/>
-              <a:t>flexible loads (i.e., electric vehicles, electrolyzer)</a:t>
+              <a:t>How should a device(s) operate to maximize revenue. With a focus on storage and flexible loads (i.e., electric vehicles, electrolyzer)?</a:t>
             </a:r>
           </a:p>
           <a:p>
@@ -10874,7 +10902,7 @@
             </a:pPr>
             <a:r>
               <a:rPr lang="en-US" sz="1400" dirty="0"/>
-              <a:t>Is a device economically competitive</a:t>
+              <a:t>Is a device economically competitive?</a:t>
             </a:r>
           </a:p>
           <a:p>
@@ -10884,7 +10912,7 @@
             </a:pPr>
             <a:r>
               <a:rPr lang="en-US" sz="1400" dirty="0"/>
-              <a:t>How to optimally stack multiple value streams</a:t>
+              <a:t>How to optimally stack multiple value streams?</a:t>
             </a:r>
           </a:p>
           <a:p>
@@ -10894,17 +10922,820 @@
             </a:pPr>
             <a:r>
               <a:rPr lang="en-US" sz="1400" dirty="0"/>
-              <a:t>Client and stakeholder involvement: DOE, CARB, PG&amp;E, GO-Biz</a:t>
+              <a:t>Client and stakeholder involvement: DOE, CARB, PG&amp;E, GO-Biz, EPRI</a:t>
+            </a:r>
+          </a:p>
+        </p:txBody>
+      </p:sp>
+      <p:grpSp>
+        <p:nvGrpSpPr>
+          <p:cNvPr id="4" name="Group 3">
+            <a:extLst>
+              <a:ext uri="{FF2B5EF4-FFF2-40B4-BE49-F238E27FC236}">
+                <a16:creationId xmlns:a16="http://schemas.microsoft.com/office/drawing/2014/main" id="{45048E3E-3610-47F4-B245-2D5AB781D7CA}"/>
+              </a:ext>
+            </a:extLst>
+          </p:cNvPr>
+          <p:cNvGrpSpPr>
+            <a:grpSpLocks noChangeAspect="1"/>
+          </p:cNvGrpSpPr>
+          <p:nvPr/>
+        </p:nvGrpSpPr>
+        <p:grpSpPr>
+          <a:xfrm>
+            <a:off x="84333" y="580509"/>
+            <a:ext cx="4354905" cy="2908460"/>
+            <a:chOff x="18354" y="556109"/>
+            <a:chExt cx="4486863" cy="2996589"/>
+          </a:xfrm>
+        </p:grpSpPr>
+        <p:pic>
+          <p:nvPicPr>
+            <p:cNvPr id="8" name="Picture 7">
+              <a:extLst>
+                <a:ext uri="{FF2B5EF4-FFF2-40B4-BE49-F238E27FC236}">
+                  <a16:creationId xmlns:a16="http://schemas.microsoft.com/office/drawing/2014/main" id="{6BC5AD3E-C861-4947-BA5B-B79E474D677B}"/>
+                </a:ext>
+              </a:extLst>
+            </p:cNvPr>
+            <p:cNvPicPr>
+              <a:picLocks noChangeAspect="1"/>
+            </p:cNvPicPr>
+            <p:nvPr/>
+          </p:nvPicPr>
+          <p:blipFill rotWithShape="1">
+            <a:blip r:embed="rId10"/>
+            <a:srcRect r="2022"/>
+            <a:stretch/>
+          </p:blipFill>
+          <p:spPr>
+            <a:xfrm>
+              <a:off x="18354" y="556109"/>
+              <a:ext cx="4486863" cy="2996589"/>
+            </a:xfrm>
+            <a:prstGeom prst="rect">
+              <a:avLst/>
+            </a:prstGeom>
+          </p:spPr>
+        </p:pic>
+        <p:sp>
+          <p:nvSpPr>
+            <p:cNvPr id="3" name="TextBox 2">
+              <a:extLst>
+                <a:ext uri="{FF2B5EF4-FFF2-40B4-BE49-F238E27FC236}">
+                  <a16:creationId xmlns:a16="http://schemas.microsoft.com/office/drawing/2014/main" id="{34C8A3A8-5C8B-4F6B-8B1F-0AD812B401A1}"/>
+                </a:ext>
+              </a:extLst>
+            </p:cNvPr>
+            <p:cNvSpPr txBox="1"/>
+            <p:nvPr/>
+          </p:nvSpPr>
+          <p:spPr>
+            <a:xfrm>
+              <a:off x="1805220" y="873953"/>
+              <a:ext cx="976549" cy="369332"/>
+            </a:xfrm>
+            <a:prstGeom prst="rect">
+              <a:avLst/>
+            </a:prstGeom>
+            <a:noFill/>
+          </p:spPr>
+          <p:txBody>
+            <a:bodyPr wrap="none" rtlCol="0">
+              <a:spAutoFit/>
+            </a:bodyPr>
+            <a:lstStyle/>
+            <a:p>
+              <a:r>
+                <a:rPr lang="en-US" dirty="0"/>
+                <a:t>Islanded</a:t>
+              </a:r>
+            </a:p>
+          </p:txBody>
+        </p:sp>
+        <p:sp>
+          <p:nvSpPr>
+            <p:cNvPr id="10" name="TextBox 9">
+              <a:extLst>
+                <a:ext uri="{FF2B5EF4-FFF2-40B4-BE49-F238E27FC236}">
+                  <a16:creationId xmlns:a16="http://schemas.microsoft.com/office/drawing/2014/main" id="{C0BBB7CD-A572-46CC-B08D-72D57C5F4750}"/>
+                </a:ext>
+              </a:extLst>
+            </p:cNvPr>
+            <p:cNvSpPr txBox="1"/>
+            <p:nvPr/>
+          </p:nvSpPr>
+          <p:spPr>
+            <a:xfrm>
+              <a:off x="2772696" y="1236105"/>
+              <a:ext cx="1133900" cy="369332"/>
+            </a:xfrm>
+            <a:prstGeom prst="rect">
+              <a:avLst/>
+            </a:prstGeom>
+            <a:noFill/>
+          </p:spPr>
+          <p:txBody>
+            <a:bodyPr wrap="none" rtlCol="0">
+              <a:spAutoFit/>
+            </a:bodyPr>
+            <a:lstStyle/>
+            <a:p>
+              <a:r>
+                <a:rPr lang="en-US" dirty="0"/>
+                <a:t>Separated</a:t>
+              </a:r>
+            </a:p>
+          </p:txBody>
+        </p:sp>
+        <p:sp>
+          <p:nvSpPr>
+            <p:cNvPr id="14" name="TextBox 13">
+              <a:extLst>
+                <a:ext uri="{FF2B5EF4-FFF2-40B4-BE49-F238E27FC236}">
+                  <a16:creationId xmlns:a16="http://schemas.microsoft.com/office/drawing/2014/main" id="{73F3FD90-140C-4E81-8397-37DA25C266E5}"/>
+                </a:ext>
+              </a:extLst>
+            </p:cNvPr>
+            <p:cNvSpPr txBox="1"/>
+            <p:nvPr/>
+          </p:nvSpPr>
+          <p:spPr>
+            <a:xfrm>
+              <a:off x="2869291" y="1630176"/>
+              <a:ext cx="710387" cy="369332"/>
+            </a:xfrm>
+            <a:prstGeom prst="rect">
+              <a:avLst/>
+            </a:prstGeom>
+            <a:noFill/>
+          </p:spPr>
+          <p:txBody>
+            <a:bodyPr wrap="none" rtlCol="0">
+              <a:spAutoFit/>
+            </a:bodyPr>
+            <a:lstStyle/>
+            <a:p>
+              <a:r>
+                <a:rPr lang="en-US" dirty="0"/>
+                <a:t>Retail</a:t>
+              </a:r>
+            </a:p>
+          </p:txBody>
+        </p:sp>
+        <p:sp>
+          <p:nvSpPr>
+            <p:cNvPr id="15" name="TextBox 14">
+              <a:extLst>
+                <a:ext uri="{FF2B5EF4-FFF2-40B4-BE49-F238E27FC236}">
+                  <a16:creationId xmlns:a16="http://schemas.microsoft.com/office/drawing/2014/main" id="{A3F46686-054A-4BE6-BFB6-10FBC36057C9}"/>
+                </a:ext>
+              </a:extLst>
+            </p:cNvPr>
+            <p:cNvSpPr txBox="1"/>
+            <p:nvPr/>
+          </p:nvSpPr>
+          <p:spPr>
+            <a:xfrm>
+              <a:off x="2819566" y="2024247"/>
+              <a:ext cx="809837" cy="369332"/>
+            </a:xfrm>
+            <a:prstGeom prst="rect">
+              <a:avLst/>
+            </a:prstGeom>
+            <a:noFill/>
+          </p:spPr>
+          <p:txBody>
+            <a:bodyPr wrap="none" rtlCol="0">
+              <a:spAutoFit/>
+            </a:bodyPr>
+            <a:lstStyle/>
+            <a:p>
+              <a:r>
+                <a:rPr lang="en-US" dirty="0"/>
+                <a:t>Hybrid</a:t>
+              </a:r>
+            </a:p>
+          </p:txBody>
+        </p:sp>
+        <p:sp>
+          <p:nvSpPr>
+            <p:cNvPr id="16" name="TextBox 15">
+              <a:extLst>
+                <a:ext uri="{FF2B5EF4-FFF2-40B4-BE49-F238E27FC236}">
+                  <a16:creationId xmlns:a16="http://schemas.microsoft.com/office/drawing/2014/main" id="{1F028A9A-3E71-4ABB-8DFE-3BD67EF79755}"/>
+                </a:ext>
+              </a:extLst>
+            </p:cNvPr>
+            <p:cNvSpPr txBox="1"/>
+            <p:nvPr/>
+          </p:nvSpPr>
+          <p:spPr>
+            <a:xfrm>
+              <a:off x="2582353" y="2418318"/>
+              <a:ext cx="1284262" cy="369332"/>
+            </a:xfrm>
+            <a:prstGeom prst="rect">
+              <a:avLst/>
+            </a:prstGeom>
+            <a:noFill/>
+          </p:spPr>
+          <p:txBody>
+            <a:bodyPr wrap="none" rtlCol="0">
+              <a:spAutoFit/>
+            </a:bodyPr>
+            <a:lstStyle/>
+            <a:p>
+              <a:r>
+                <a:rPr lang="en-US" dirty="0" err="1"/>
+                <a:t>Retail+NEM</a:t>
+              </a:r>
+              <a:endParaRPr lang="en-US" dirty="0"/>
+            </a:p>
+          </p:txBody>
+        </p:sp>
+        <p:sp>
+          <p:nvSpPr>
+            <p:cNvPr id="17" name="TextBox 16">
+              <a:extLst>
+                <a:ext uri="{FF2B5EF4-FFF2-40B4-BE49-F238E27FC236}">
+                  <a16:creationId xmlns:a16="http://schemas.microsoft.com/office/drawing/2014/main" id="{9F4E5AFB-6A2F-4C71-8AC9-288F9BF5C2B2}"/>
+                </a:ext>
+              </a:extLst>
+            </p:cNvPr>
+            <p:cNvSpPr txBox="1"/>
+            <p:nvPr/>
+          </p:nvSpPr>
+          <p:spPr>
+            <a:xfrm>
+              <a:off x="2639228" y="2812388"/>
+              <a:ext cx="1170513" cy="369332"/>
+            </a:xfrm>
+            <a:prstGeom prst="rect">
+              <a:avLst/>
+            </a:prstGeom>
+            <a:noFill/>
+          </p:spPr>
+          <p:txBody>
+            <a:bodyPr wrap="none" rtlCol="0">
+              <a:spAutoFit/>
+            </a:bodyPr>
+            <a:lstStyle/>
+            <a:p>
+              <a:r>
+                <a:rPr lang="en-US" dirty="0"/>
+                <a:t>Wholesale</a:t>
+              </a:r>
+            </a:p>
+          </p:txBody>
+        </p:sp>
+      </p:grpSp>
+    </p:spTree>
+    <p:extLst>
+      <p:ext uri="{BB962C8B-B14F-4D97-AF65-F5344CB8AC3E}">
+        <p14:creationId xmlns:p14="http://schemas.microsoft.com/office/powerpoint/2010/main" val="3294616423"/>
+      </p:ext>
+    </p:extLst>
+  </p:cSld>
+  <p:clrMapOvr>
+    <a:masterClrMapping/>
+  </p:clrMapOvr>
+</p:sld>
+</file>
+
+<file path=ppt/slides/slide2.xml><?xml version="1.0" encoding="utf-8"?>
+<p:sld xmlns:a="http://schemas.openxmlformats.org/drawingml/2006/main" xmlns:r="http://schemas.openxmlformats.org/officeDocument/2006/relationships" xmlns:p="http://schemas.openxmlformats.org/presentationml/2006/main">
+  <p:cSld>
+    <p:spTree>
+      <p:nvGrpSpPr>
+        <p:cNvPr id="1" name=""/>
+        <p:cNvGrpSpPr/>
+        <p:nvPr/>
+      </p:nvGrpSpPr>
+      <p:grpSpPr>
+        <a:xfrm>
+          <a:off x="0" y="0"/>
+          <a:ext cx="0" cy="0"/>
+          <a:chOff x="0" y="0"/>
+          <a:chExt cx="0" cy="0"/>
+        </a:xfrm>
+      </p:grpSpPr>
+      <p:cxnSp>
+        <p:nvCxnSpPr>
+          <p:cNvPr id="5" name="Straight Connector 4"/>
+          <p:cNvCxnSpPr>
+            <a:cxnSpLocks/>
+          </p:cNvCxnSpPr>
+          <p:nvPr/>
+        </p:nvCxnSpPr>
+        <p:spPr>
+          <a:xfrm>
+            <a:off x="483300" y="3515032"/>
+            <a:ext cx="4040370" cy="0"/>
+          </a:xfrm>
+          <a:prstGeom prst="line">
+            <a:avLst/>
+          </a:prstGeom>
+        </p:spPr>
+        <p:style>
+          <a:lnRef idx="1">
+            <a:schemeClr val="accent1"/>
+          </a:lnRef>
+          <a:fillRef idx="0">
+            <a:schemeClr val="accent1"/>
+          </a:fillRef>
+          <a:effectRef idx="0">
+            <a:schemeClr val="accent1"/>
+          </a:effectRef>
+          <a:fontRef idx="minor">
+            <a:schemeClr val="tx1"/>
+          </a:fontRef>
+        </p:style>
+      </p:cxnSp>
+      <p:cxnSp>
+        <p:nvCxnSpPr>
+          <p:cNvPr id="6" name="Straight Connector 5"/>
+          <p:cNvCxnSpPr/>
+          <p:nvPr/>
+        </p:nvCxnSpPr>
+        <p:spPr>
+          <a:xfrm flipV="1">
+            <a:off x="4523670" y="684866"/>
+            <a:ext cx="0" cy="5585220"/>
+          </a:xfrm>
+          <a:prstGeom prst="line">
+            <a:avLst/>
+          </a:prstGeom>
+        </p:spPr>
+        <p:style>
+          <a:lnRef idx="1">
+            <a:schemeClr val="accent1"/>
+          </a:lnRef>
+          <a:fillRef idx="0">
+            <a:schemeClr val="accent1"/>
+          </a:fillRef>
+          <a:effectRef idx="0">
+            <a:schemeClr val="accent1"/>
+          </a:effectRef>
+          <a:fontRef idx="minor">
+            <a:schemeClr val="tx1"/>
+          </a:fontRef>
+        </p:style>
+      </p:cxnSp>
+      <p:sp>
+        <p:nvSpPr>
+          <p:cNvPr id="9" name="TextBox 8"/>
+          <p:cNvSpPr txBox="1"/>
+          <p:nvPr/>
+        </p:nvSpPr>
+        <p:spPr>
+          <a:xfrm>
+            <a:off x="762001" y="121963"/>
+            <a:ext cx="7564207" cy="359850"/>
+          </a:xfrm>
+          <a:prstGeom prst="rect">
+            <a:avLst/>
+          </a:prstGeom>
+          <a:noFill/>
+        </p:spPr>
+        <p:txBody>
+          <a:bodyPr wrap="square" lIns="82048" tIns="41025" rIns="82048" bIns="41025" rtlCol="0">
+            <a:spAutoFit/>
+          </a:bodyPr>
+          <a:lstStyle/>
+          <a:p>
+            <a:pPr algn="ctr"/>
+            <a:r>
+              <a:rPr lang="en-US" b="1" dirty="0"/>
+              <a:t>Revenue, Operation, and Device Optimization Model (</a:t>
+            </a:r>
+            <a:r>
+              <a:rPr lang="en-US" b="1" dirty="0" err="1"/>
+              <a:t>RODeO</a:t>
+            </a:r>
+            <a:r>
+              <a:rPr lang="en-US" b="1" dirty="0"/>
+              <a:t>)</a:t>
+            </a:r>
+          </a:p>
+        </p:txBody>
+      </p:sp>
+      <p:sp>
+        <p:nvSpPr>
+          <p:cNvPr id="12" name="TextBox 11"/>
+          <p:cNvSpPr txBox="1"/>
+          <p:nvPr/>
+        </p:nvSpPr>
+        <p:spPr>
+          <a:xfrm>
+            <a:off x="4653668" y="447301"/>
+            <a:ext cx="4293358" cy="5899828"/>
+          </a:xfrm>
+          <a:prstGeom prst="rect">
+            <a:avLst/>
+          </a:prstGeom>
+          <a:noFill/>
+        </p:spPr>
+        <p:txBody>
+          <a:bodyPr wrap="square" lIns="82048" tIns="41025" rIns="82048" bIns="41025" rtlCol="0">
+            <a:spAutoFit/>
+          </a:bodyPr>
+          <a:lstStyle/>
+          <a:p>
+            <a:r>
+              <a:rPr lang="en-US" sz="1400" b="1" dirty="0"/>
+              <a:t>Model Details</a:t>
+            </a:r>
+          </a:p>
+          <a:p>
+            <a:pPr marL="307682" indent="-307682">
+              <a:buFont typeface="Arial" panose="020B0604020202020204" pitchFamily="34" charset="0"/>
+              <a:buChar char="•"/>
+            </a:pPr>
+            <a:r>
+              <a:rPr lang="en-US" sz="1400" dirty="0"/>
+              <a:t>Name: </a:t>
+            </a:r>
+            <a:r>
+              <a:rPr lang="en-US" sz="1400" dirty="0" err="1"/>
+              <a:t>RODeO</a:t>
+            </a:r>
+            <a:r>
+              <a:rPr lang="en-US" sz="1400" dirty="0"/>
+              <a:t> (Revenue, Operation, and Device Optimization) </a:t>
+            </a:r>
+          </a:p>
+          <a:p>
+            <a:pPr marL="307682" indent="-307682">
+              <a:buFont typeface="Arial" panose="020B0604020202020204" pitchFamily="34" charset="0"/>
+              <a:buChar char="•"/>
+            </a:pPr>
+            <a:r>
+              <a:rPr lang="en-US" sz="1400" dirty="0"/>
+              <a:t>Purpose: Fixed-price optimization</a:t>
+            </a:r>
+          </a:p>
+          <a:p>
+            <a:pPr marL="307682" indent="-307682">
+              <a:buFont typeface="Arial" panose="020B0604020202020204" pitchFamily="34" charset="0"/>
+              <a:buChar char="•"/>
+            </a:pPr>
+            <a:r>
+              <a:rPr lang="en-US" sz="1400" dirty="0"/>
+              <a:t>Temporal Resolution: typically 5min to 1 </a:t>
+            </a:r>
+            <a:r>
+              <a:rPr lang="en-US" sz="1400" dirty="0" err="1"/>
+              <a:t>hr</a:t>
+            </a:r>
+            <a:r>
+              <a:rPr lang="en-US" sz="1400" dirty="0"/>
+              <a:t> but can be adjusted</a:t>
+            </a:r>
+          </a:p>
+          <a:p>
+            <a:pPr marL="307682" indent="-307682">
+              <a:buFont typeface="Arial" panose="020B0604020202020204" pitchFamily="34" charset="0"/>
+              <a:buChar char="•"/>
+            </a:pPr>
+            <a:r>
+              <a:rPr lang="en-US" sz="1400" dirty="0"/>
+              <a:t>Temporal Scope: From 1 month to 3 years</a:t>
+            </a:r>
+          </a:p>
+          <a:p>
+            <a:pPr marL="307682" indent="-307682">
+              <a:buFont typeface="Arial" panose="020B0604020202020204" pitchFamily="34" charset="0"/>
+              <a:buChar char="•"/>
+            </a:pPr>
+            <a:r>
+              <a:rPr lang="en-US" sz="1400" dirty="0"/>
+              <a:t>Spatial Resolution: single location (node/region/etc.)</a:t>
+            </a:r>
+          </a:p>
+          <a:p>
+            <a:pPr marL="307682" indent="-307682">
+              <a:buFont typeface="Arial" panose="020B0604020202020204" pitchFamily="34" charset="0"/>
+              <a:buChar char="•"/>
+            </a:pPr>
+            <a:r>
+              <a:rPr lang="en-US" sz="1400" dirty="0"/>
+              <a:t>Spatial Scope: single location (node/region/etc.) can include many devices but all are aggregated under one node for wholesale or retail price calculations</a:t>
+            </a:r>
+          </a:p>
+          <a:p>
+            <a:pPr marL="307682" indent="-307682">
+              <a:buFont typeface="Arial" panose="020B0604020202020204" pitchFamily="34" charset="0"/>
+              <a:buChar char="•"/>
+            </a:pPr>
+            <a:r>
+              <a:rPr lang="en-US" sz="1400" dirty="0"/>
+              <a:t>System scope: Simulates participation in wholesale and retail, electric and gas markets</a:t>
+            </a:r>
+          </a:p>
+          <a:p>
+            <a:pPr marL="307682" indent="-307682">
+              <a:buFont typeface="Arial" panose="020B0604020202020204" pitchFamily="34" charset="0"/>
+              <a:buChar char="•"/>
+            </a:pPr>
+            <a:r>
+              <a:rPr lang="en-US" sz="1400" dirty="0"/>
+              <a:t>Modeling paradigm: Optimization</a:t>
+            </a:r>
+          </a:p>
+          <a:p>
+            <a:pPr marL="307682" indent="-307682">
+              <a:buFont typeface="Arial" panose="020B0604020202020204" pitchFamily="34" charset="0"/>
+              <a:buChar char="•"/>
+            </a:pPr>
+            <a:r>
+              <a:rPr lang="en-US" sz="1400" dirty="0"/>
+              <a:t>Major processes modeled: Revenue maximization</a:t>
+            </a:r>
+          </a:p>
+          <a:p>
+            <a:pPr marL="307682" indent="-307682">
+              <a:buFont typeface="Arial" panose="020B0604020202020204" pitchFamily="34" charset="0"/>
+              <a:buChar char="•"/>
+            </a:pPr>
+            <a:r>
+              <a:rPr lang="en-US" sz="1400" dirty="0"/>
+              <a:t>Uncertainty treatment: Scenarios</a:t>
+            </a:r>
+          </a:p>
+          <a:p>
+            <a:pPr marL="307682" indent="-307682">
+              <a:buFont typeface="Arial" panose="020B0604020202020204" pitchFamily="34" charset="0"/>
+              <a:buChar char="•"/>
+            </a:pPr>
+            <a:r>
+              <a:rPr lang="en-US" sz="1400" dirty="0"/>
+              <a:t>Computational scalability: Model typically runs fast (30sec – 5 min) and it can be run in parallel</a:t>
+            </a:r>
+          </a:p>
+          <a:p>
+            <a:pPr marL="307682" indent="-307682">
+              <a:buFont typeface="Arial" panose="020B0604020202020204" pitchFamily="34" charset="0"/>
+              <a:buChar char="•"/>
+            </a:pPr>
+            <a:r>
+              <a:rPr lang="en-US" sz="1400" dirty="0"/>
+              <a:t>Use of HPC: Possible</a:t>
+            </a:r>
+          </a:p>
+          <a:p>
+            <a:pPr marL="307682" indent="-307682">
+              <a:buFont typeface="Arial" panose="020B0604020202020204" pitchFamily="34" charset="0"/>
+              <a:buChar char="•"/>
+            </a:pPr>
+            <a:r>
+              <a:rPr lang="en-US" sz="1400" dirty="0"/>
+              <a:t>Primary development organization: NREL</a:t>
+            </a:r>
+          </a:p>
+          <a:p>
+            <a:pPr marL="307682" indent="-307682">
+              <a:buFont typeface="Arial" panose="020B0604020202020204" pitchFamily="34" charset="0"/>
+              <a:buChar char="•"/>
+            </a:pPr>
+            <a:r>
+              <a:rPr lang="en-US" sz="1400" dirty="0"/>
+              <a:t>Source Language: GAMS</a:t>
+            </a:r>
+          </a:p>
+          <a:p>
+            <a:pPr marL="307682" indent="-307682">
+              <a:buFont typeface="Arial" panose="020B0604020202020204" pitchFamily="34" charset="0"/>
+              <a:buChar char="•"/>
+            </a:pPr>
+            <a:r>
+              <a:rPr lang="en-US" sz="1400" dirty="0"/>
+              <a:t>Platform: Cross-platform</a:t>
+            </a:r>
+          </a:p>
+          <a:p>
+            <a:pPr marL="307682" indent="-307682">
+              <a:buFont typeface="Arial" panose="020B0604020202020204" pitchFamily="34" charset="0"/>
+              <a:buChar char="•"/>
+            </a:pPr>
+            <a:r>
+              <a:rPr lang="en-US" sz="1400" dirty="0"/>
+              <a:t>License:  Exploring open-sourcing</a:t>
+            </a:r>
+          </a:p>
+          <a:p>
+            <a:pPr marL="307682" indent="-307682">
+              <a:buFont typeface="Arial" panose="020B0604020202020204" pitchFamily="34" charset="0"/>
+              <a:buChar char="•"/>
+            </a:pPr>
+            <a:r>
+              <a:rPr lang="en-US" sz="1400" dirty="0"/>
+              <a:t>Source: Lab-developed</a:t>
+            </a:r>
+          </a:p>
+          <a:p>
+            <a:pPr marL="307682" indent="-307682">
+              <a:buFont typeface="Arial" panose="020B0604020202020204" pitchFamily="34" charset="0"/>
+              <a:buChar char="•"/>
+            </a:pPr>
+            <a:r>
+              <a:rPr lang="en-US" sz="1400" dirty="0"/>
+              <a:t>Dataset restrictions: None</a:t>
+            </a:r>
+          </a:p>
+          <a:p>
+            <a:pPr marL="307682" indent="-307682">
+              <a:buFont typeface="Arial" panose="020B0604020202020204" pitchFamily="34" charset="0"/>
+              <a:buChar char="•"/>
+            </a:pPr>
+            <a:r>
+              <a:rPr lang="en-US" sz="1400" dirty="0"/>
+              <a:t>NREL PI: </a:t>
+            </a:r>
+            <a:r>
+              <a:rPr lang="en-US" sz="1400" dirty="0">
+                <a:hlinkClick r:id="rId2"/>
+              </a:rPr>
+              <a:t>Joshua.Eichman@NREL.gov</a:t>
+            </a:r>
+            <a:r>
+              <a:rPr lang="en-US" sz="1400" dirty="0"/>
+              <a:t> </a:t>
+            </a:r>
+          </a:p>
+          <a:p>
+            <a:pPr marL="307682" indent="-307682">
+              <a:buFont typeface="Arial" panose="020B0604020202020204" pitchFamily="34" charset="0"/>
+              <a:buChar char="•"/>
+            </a:pPr>
+            <a:r>
+              <a:rPr lang="en-US" sz="1400" dirty="0"/>
+              <a:t>Link: </a:t>
+            </a:r>
+            <a:r>
+              <a:rPr lang="en-US" sz="1400" dirty="0">
+                <a:hlinkClick r:id="rId3"/>
+              </a:rPr>
+              <a:t>https://github.nrel.gov/jeichman/RODeO</a:t>
+            </a:r>
+            <a:r>
+              <a:rPr lang="en-US" sz="1400" dirty="0"/>
+              <a:t> </a:t>
+            </a:r>
+          </a:p>
+        </p:txBody>
+      </p:sp>
+      <p:sp>
+        <p:nvSpPr>
+          <p:cNvPr id="13" name="TextBox 12"/>
+          <p:cNvSpPr txBox="1"/>
+          <p:nvPr/>
+        </p:nvSpPr>
+        <p:spPr>
+          <a:xfrm>
+            <a:off x="167154" y="3542072"/>
+            <a:ext cx="4356516" cy="3314505"/>
+          </a:xfrm>
+          <a:prstGeom prst="rect">
+            <a:avLst/>
+          </a:prstGeom>
+          <a:noFill/>
+        </p:spPr>
+        <p:txBody>
+          <a:bodyPr wrap="square" lIns="82048" tIns="41025" rIns="82048" bIns="41025" rtlCol="0">
+            <a:spAutoFit/>
+          </a:bodyPr>
+          <a:lstStyle/>
+          <a:p>
+            <a:r>
+              <a:rPr lang="en-US" sz="1400" b="1" dirty="0"/>
+              <a:t>Prior Applications</a:t>
+            </a:r>
+          </a:p>
+          <a:p>
+            <a:pPr marL="307682" indent="-307682">
+              <a:buFont typeface="Arial" panose="020B0604020202020204" pitchFamily="34" charset="0"/>
+              <a:buChar char="•"/>
+            </a:pPr>
+            <a:r>
+              <a:rPr lang="en-US" sz="1400" dirty="0">
+                <a:hlinkClick r:id="rId4"/>
+              </a:rPr>
+              <a:t>Multi-market optimization</a:t>
+            </a:r>
+            <a:r>
+              <a:rPr lang="en-US" sz="1400" dirty="0"/>
+              <a:t>, </a:t>
+            </a:r>
+            <a:r>
+              <a:rPr lang="en-US" sz="1400" dirty="0">
+                <a:hlinkClick r:id="rId5"/>
+              </a:rPr>
+              <a:t>Wholesale market revenue comparison</a:t>
+            </a:r>
+            <a:r>
+              <a:rPr lang="en-US" sz="1400" dirty="0"/>
+              <a:t>, </a:t>
+            </a:r>
+            <a:r>
+              <a:rPr lang="en-US" sz="1400" dirty="0">
+                <a:hlinkClick r:id="rId6"/>
+              </a:rPr>
+              <a:t>Hydrogen business case assessment</a:t>
+            </a:r>
+            <a:r>
+              <a:rPr lang="en-US" sz="1400" dirty="0"/>
+              <a:t>, </a:t>
+            </a:r>
+            <a:r>
+              <a:rPr lang="en-US" sz="1400" dirty="0">
+                <a:hlinkClick r:id="rId7"/>
+              </a:rPr>
+              <a:t>Retail rate optimization</a:t>
+            </a:r>
+            <a:r>
+              <a:rPr lang="en-US" sz="1400" dirty="0"/>
+              <a:t>, Off-shore wind farm revenue, </a:t>
+            </a:r>
+            <a:r>
+              <a:rPr lang="en-US" sz="1400" dirty="0">
+                <a:hlinkClick r:id="rId8"/>
+              </a:rPr>
+              <a:t>PV+Storage</a:t>
+            </a:r>
+            <a:r>
+              <a:rPr lang="en-US" sz="1400" dirty="0"/>
+              <a:t>, </a:t>
+            </a:r>
+            <a:r>
+              <a:rPr lang="en-US" sz="1400" dirty="0">
+                <a:hlinkClick r:id="rId9"/>
+              </a:rPr>
+              <a:t>Real-time optimization control of electrolyzer</a:t>
+            </a:r>
+            <a:r>
+              <a:rPr lang="en-US" sz="1400" dirty="0"/>
+              <a:t>, Fleet-wide EV bus optimization optimization</a:t>
+            </a:r>
+          </a:p>
+          <a:p>
+            <a:pPr marL="307682" indent="-307682">
+              <a:buFont typeface="Arial" panose="020B0604020202020204" pitchFamily="34" charset="0"/>
+              <a:buChar char="•"/>
+            </a:pPr>
+            <a:r>
+              <a:rPr lang="en-US" sz="1400" dirty="0"/>
+              <a:t>Research questions: </a:t>
+            </a:r>
+          </a:p>
+          <a:p>
+            <a:pPr marL="764828" lvl="1" indent="-307682">
+              <a:buFont typeface="Arial" panose="020B0604020202020204" pitchFamily="34" charset="0"/>
+              <a:buChar char="•"/>
+            </a:pPr>
+            <a:r>
+              <a:rPr lang="en-US" sz="1400" dirty="0"/>
+              <a:t>How should a device(s) operate to maximize revenue. With a focus on storage and flexible loads (i.e., electric vehicles, electrolyzer)?</a:t>
+            </a:r>
+          </a:p>
+          <a:p>
+            <a:pPr marL="764828" lvl="1" indent="-307682">
+              <a:buFont typeface="Arial" panose="020B0604020202020204" pitchFamily="34" charset="0"/>
+              <a:buChar char="•"/>
+            </a:pPr>
+            <a:r>
+              <a:rPr lang="en-US" sz="1400" dirty="0"/>
+              <a:t>Is a device economically competitive?</a:t>
+            </a:r>
+          </a:p>
+          <a:p>
+            <a:pPr marL="764828" lvl="1" indent="-307682">
+              <a:buFont typeface="Arial" panose="020B0604020202020204" pitchFamily="34" charset="0"/>
+              <a:buChar char="•"/>
+            </a:pPr>
+            <a:r>
+              <a:rPr lang="en-US" sz="1400" dirty="0"/>
+              <a:t>How to optimally stack multiple value streams?</a:t>
+            </a:r>
+          </a:p>
+          <a:p>
+            <a:pPr marL="307682" indent="-307682">
+              <a:buFont typeface="Arial" panose="020B0604020202020204" pitchFamily="34" charset="0"/>
+              <a:buChar char="•"/>
+            </a:pPr>
+            <a:r>
+              <a:rPr lang="en-US" sz="1400" dirty="0"/>
+              <a:t>Client and stakeholder involvement: DOE, CARB, PG&amp;E, GO-Biz, EPRI</a:t>
             </a:r>
           </a:p>
         </p:txBody>
       </p:sp>
       <p:pic>
         <p:nvPicPr>
-          <p:cNvPr id="8" name="Picture 7">
+          <p:cNvPr id="18" name="Picture 17">
             <a:extLst>
               <a:ext uri="{FF2B5EF4-FFF2-40B4-BE49-F238E27FC236}">
-                <a16:creationId xmlns:a16="http://schemas.microsoft.com/office/drawing/2014/main" id="{6BC5AD3E-C861-4947-BA5B-B79E474D677B}"/>
+                <a16:creationId xmlns:a16="http://schemas.microsoft.com/office/drawing/2014/main" id="{1F763800-8F6C-4856-9ACD-60FFD379A82F}"/>
               </a:ext>
             </a:extLst>
           </p:cNvPr>
@@ -10913,236 +11744,204 @@
           </p:cNvPicPr>
           <p:nvPr/>
         </p:nvPicPr>
-        <p:blipFill rotWithShape="1">
-          <a:blip r:embed="rId7"/>
-          <a:srcRect r="2022"/>
-          <a:stretch/>
+        <p:blipFill>
+          <a:blip r:embed="rId10"/>
+          <a:stretch>
+            <a:fillRect/>
+          </a:stretch>
         </p:blipFill>
         <p:spPr>
           <a:xfrm>
-            <a:off x="18354" y="556109"/>
-            <a:ext cx="4486863" cy="2996589"/>
+            <a:off x="509732" y="515089"/>
+            <a:ext cx="3860447" cy="3026555"/>
           </a:xfrm>
           <a:prstGeom prst="rect">
             <a:avLst/>
           </a:prstGeom>
         </p:spPr>
       </p:pic>
-      <p:sp>
-        <p:nvSpPr>
-          <p:cNvPr id="3" name="TextBox 2">
+    </p:spTree>
+    <p:extLst>
+      <p:ext uri="{BB962C8B-B14F-4D97-AF65-F5344CB8AC3E}">
+        <p14:creationId xmlns:p14="http://schemas.microsoft.com/office/powerpoint/2010/main" val="579332585"/>
+      </p:ext>
+    </p:extLst>
+  </p:cSld>
+  <p:clrMapOvr>
+    <a:masterClrMapping/>
+  </p:clrMapOvr>
+</p:sld>
+</file>
+
+<file path=ppt/slides/slide3.xml><?xml version="1.0" encoding="utf-8"?>
+<p:sld xmlns:a="http://schemas.openxmlformats.org/drawingml/2006/main" xmlns:r="http://schemas.openxmlformats.org/officeDocument/2006/relationships" xmlns:p="http://schemas.openxmlformats.org/presentationml/2006/main">
+  <p:cSld>
+    <p:spTree>
+      <p:nvGrpSpPr>
+        <p:cNvPr id="1" name=""/>
+        <p:cNvGrpSpPr/>
+        <p:nvPr/>
+      </p:nvGrpSpPr>
+      <p:grpSpPr>
+        <a:xfrm>
+          <a:off x="0" y="0"/>
+          <a:ext cx="0" cy="0"/>
+          <a:chOff x="0" y="0"/>
+          <a:chExt cx="0" cy="0"/>
+        </a:xfrm>
+      </p:grpSpPr>
+      <p:pic>
+        <p:nvPicPr>
+          <p:cNvPr id="31" name="Picture 30">
             <a:extLst>
               <a:ext uri="{FF2B5EF4-FFF2-40B4-BE49-F238E27FC236}">
-                <a16:creationId xmlns:a16="http://schemas.microsoft.com/office/drawing/2014/main" id="{34C8A3A8-5C8B-4F6B-8B1F-0AD812B401A1}"/>
+                <a16:creationId xmlns:a16="http://schemas.microsoft.com/office/drawing/2014/main" id="{C9FDE860-546A-465D-BAA4-EB51F70670E2}"/>
               </a:ext>
             </a:extLst>
           </p:cNvPr>
-          <p:cNvSpPr txBox="1"/>
+          <p:cNvPicPr>
+            <a:picLocks noChangeAspect="1"/>
+          </p:cNvPicPr>
           <p:nvPr/>
-        </p:nvSpPr>
+        </p:nvPicPr>
+        <p:blipFill>
+          <a:blip r:embed="rId2"/>
+          <a:stretch>
+            <a:fillRect/>
+          </a:stretch>
+        </p:blipFill>
         <p:spPr>
           <a:xfrm>
-            <a:off x="1805220" y="873953"/>
-            <a:ext cx="976549" cy="369332"/>
+            <a:off x="198226" y="0"/>
+            <a:ext cx="8747547" cy="6858000"/>
           </a:xfrm>
           <a:prstGeom prst="rect">
             <a:avLst/>
           </a:prstGeom>
-          <a:noFill/>
         </p:spPr>
-        <p:txBody>
-          <a:bodyPr wrap="none" rtlCol="0">
-            <a:spAutoFit/>
-          </a:bodyPr>
-          <a:lstStyle/>
-          <a:p>
-            <a:r>
-              <a:rPr lang="en-US" dirty="0"/>
-              <a:t>Islanded</a:t>
-            </a:r>
-          </a:p>
-        </p:txBody>
-      </p:sp>
-      <p:sp>
-        <p:nvSpPr>
-          <p:cNvPr id="10" name="TextBox 9">
+      </p:pic>
+    </p:spTree>
+    <p:extLst>
+      <p:ext uri="{BB962C8B-B14F-4D97-AF65-F5344CB8AC3E}">
+        <p14:creationId xmlns:p14="http://schemas.microsoft.com/office/powerpoint/2010/main" val="725981241"/>
+      </p:ext>
+    </p:extLst>
+  </p:cSld>
+  <p:clrMapOvr>
+    <a:masterClrMapping/>
+  </p:clrMapOvr>
+</p:sld>
+</file>
+
+<file path=ppt/slides/slide4.xml><?xml version="1.0" encoding="utf-8"?>
+<p:sld xmlns:a="http://schemas.openxmlformats.org/drawingml/2006/main" xmlns:r="http://schemas.openxmlformats.org/officeDocument/2006/relationships" xmlns:p="http://schemas.openxmlformats.org/presentationml/2006/main">
+  <p:cSld>
+    <p:spTree>
+      <p:nvGrpSpPr>
+        <p:cNvPr id="1" name=""/>
+        <p:cNvGrpSpPr/>
+        <p:nvPr/>
+      </p:nvGrpSpPr>
+      <p:grpSpPr>
+        <a:xfrm>
+          <a:off x="0" y="0"/>
+          <a:ext cx="0" cy="0"/>
+          <a:chOff x="0" y="0"/>
+          <a:chExt cx="0" cy="0"/>
+        </a:xfrm>
+      </p:grpSpPr>
+      <p:sp>
+        <p:nvSpPr>
+          <p:cNvPr id="2" name="Title 1">
             <a:extLst>
               <a:ext uri="{FF2B5EF4-FFF2-40B4-BE49-F238E27FC236}">
-                <a16:creationId xmlns:a16="http://schemas.microsoft.com/office/drawing/2014/main" id="{C0BBB7CD-A572-46CC-B08D-72D57C5F4750}"/>
+                <a16:creationId xmlns:a16="http://schemas.microsoft.com/office/drawing/2014/main" id="{675E1251-B477-4161-8D15-31623B687316}"/>
               </a:ext>
             </a:extLst>
           </p:cNvPr>
-          <p:cNvSpPr txBox="1"/>
-          <p:nvPr/>
-        </p:nvSpPr>
-        <p:spPr>
-          <a:xfrm>
-            <a:off x="2869291" y="1236105"/>
-            <a:ext cx="710387" cy="369332"/>
-          </a:xfrm>
-          <a:prstGeom prst="rect">
-            <a:avLst/>
-          </a:prstGeom>
-          <a:noFill/>
-        </p:spPr>
-        <p:txBody>
-          <a:bodyPr wrap="none" rtlCol="0">
-            <a:spAutoFit/>
-          </a:bodyPr>
+          <p:cNvSpPr>
+            <a:spLocks noGrp="1"/>
+          </p:cNvSpPr>
+          <p:nvPr>
+            <p:ph type="title"/>
+          </p:nvPr>
+        </p:nvSpPr>
+        <p:spPr/>
+        <p:txBody>
+          <a:bodyPr/>
           <a:lstStyle/>
           <a:p>
             <a:r>
               <a:rPr lang="en-US" dirty="0"/>
-              <a:t>Retail</a:t>
-            </a:r>
-          </a:p>
-        </p:txBody>
-      </p:sp>
-      <p:sp>
-        <p:nvSpPr>
-          <p:cNvPr id="14" name="TextBox 13">
+              <a:t>Summary</a:t>
+            </a:r>
+          </a:p>
+        </p:txBody>
+      </p:sp>
+      <p:sp>
+        <p:nvSpPr>
+          <p:cNvPr id="3" name="Content Placeholder 2">
             <a:extLst>
               <a:ext uri="{FF2B5EF4-FFF2-40B4-BE49-F238E27FC236}">
-                <a16:creationId xmlns:a16="http://schemas.microsoft.com/office/drawing/2014/main" id="{73F3FD90-140C-4E81-8397-37DA25C266E5}"/>
+                <a16:creationId xmlns:a16="http://schemas.microsoft.com/office/drawing/2014/main" id="{03F9D8BD-3AD0-4846-B122-BEFD6B95E2AB}"/>
               </a:ext>
             </a:extLst>
           </p:cNvPr>
-          <p:cNvSpPr txBox="1"/>
-          <p:nvPr/>
-        </p:nvSpPr>
-        <p:spPr>
-          <a:xfrm>
-            <a:off x="2869291" y="1630176"/>
-            <a:ext cx="710387" cy="369332"/>
-          </a:xfrm>
-          <a:prstGeom prst="rect">
-            <a:avLst/>
-          </a:prstGeom>
-          <a:noFill/>
-        </p:spPr>
-        <p:txBody>
-          <a:bodyPr wrap="none" rtlCol="0">
-            <a:spAutoFit/>
+          <p:cNvSpPr>
+            <a:spLocks noGrp="1"/>
+          </p:cNvSpPr>
+          <p:nvPr>
+            <p:ph idx="1"/>
+          </p:nvPr>
+        </p:nvSpPr>
+        <p:spPr/>
+        <p:txBody>
+          <a:bodyPr>
+            <a:normAutofit fontScale="62500" lnSpcReduction="20000"/>
           </a:bodyPr>
           <a:lstStyle/>
           <a:p>
+            <a:pPr marL="0" indent="0">
+              <a:buNone/>
+            </a:pPr>
             <a:r>
               <a:rPr lang="en-US" dirty="0"/>
-              <a:t>Retail</a:t>
-            </a:r>
-          </a:p>
-        </p:txBody>
-      </p:sp>
-      <p:sp>
-        <p:nvSpPr>
-          <p:cNvPr id="15" name="TextBox 14">
-            <a:extLst>
-              <a:ext uri="{FF2B5EF4-FFF2-40B4-BE49-F238E27FC236}">
-                <a16:creationId xmlns:a16="http://schemas.microsoft.com/office/drawing/2014/main" id="{A3F46686-054A-4BE6-BFB6-10FBC36057C9}"/>
-              </a:ext>
-            </a:extLst>
-          </p:cNvPr>
-          <p:cNvSpPr txBox="1"/>
-          <p:nvPr/>
-        </p:nvSpPr>
-        <p:spPr>
-          <a:xfrm>
-            <a:off x="2819566" y="2024247"/>
-            <a:ext cx="809837" cy="369332"/>
-          </a:xfrm>
-          <a:prstGeom prst="rect">
-            <a:avLst/>
-          </a:prstGeom>
-          <a:noFill/>
-        </p:spPr>
-        <p:txBody>
-          <a:bodyPr wrap="none" rtlCol="0">
-            <a:spAutoFit/>
-          </a:bodyPr>
-          <a:lstStyle/>
-          <a:p>
+              <a:t>The Revenue, Operation, and Device Optimization (</a:t>
+            </a:r>
+            <a:r>
+              <a:rPr lang="en-US" dirty="0" err="1"/>
+              <a:t>RODeO</a:t>
+            </a:r>
             <a:r>
               <a:rPr lang="en-US" dirty="0"/>
-              <a:t>Hybrid</a:t>
-            </a:r>
-          </a:p>
-        </p:txBody>
-      </p:sp>
-      <p:sp>
-        <p:nvSpPr>
-          <p:cNvPr id="16" name="TextBox 15">
-            <a:extLst>
-              <a:ext uri="{FF2B5EF4-FFF2-40B4-BE49-F238E27FC236}">
-                <a16:creationId xmlns:a16="http://schemas.microsoft.com/office/drawing/2014/main" id="{1F028A9A-3E71-4ABB-8DFE-3BD67EF79755}"/>
-              </a:ext>
-            </a:extLst>
-          </p:cNvPr>
-          <p:cNvSpPr txBox="1"/>
-          <p:nvPr/>
-        </p:nvSpPr>
-        <p:spPr>
-          <a:xfrm>
-            <a:off x="2582353" y="2418318"/>
-            <a:ext cx="1284262" cy="369332"/>
-          </a:xfrm>
-          <a:prstGeom prst="rect">
-            <a:avLst/>
-          </a:prstGeom>
-          <a:noFill/>
-        </p:spPr>
-        <p:txBody>
-          <a:bodyPr wrap="none" rtlCol="0">
-            <a:spAutoFit/>
-          </a:bodyPr>
-          <a:lstStyle/>
-          <a:p>
+              <a:t>) model explores optimal system design and operation considering different levels of grid integration, equipment cost, operating limitations, financing, and credits and incentives. </a:t>
+            </a:r>
             <a:r>
               <a:rPr lang="en-US" dirty="0" err="1"/>
-              <a:t>Retail+NEM</a:t>
-            </a:r>
+              <a:t>RODeO</a:t>
+            </a:r>
+            <a:r>
+              <a:rPr lang="en-US" dirty="0"/>
+              <a:t> is a price-taker model formulated as a mixed-integer linear programming (MILP) model in the GAMS modeling platform. The objective is to maximizes the net revenue for a collection of equipment at a given site. The equipment includes generators (e.g., gas turbine, steam turbine, solar, wind, hydro, fuel cells, etc.), storage systems (batteries, pumped hydro, gas-fired compressed air energy storage, long-duration systems, hydrogen), and flexible loads (e.g., electric vehicles, electrolyzers, flexible building loads). The input data required by </a:t>
+            </a:r>
+            <a:r>
+              <a:rPr lang="en-US" dirty="0" err="1"/>
+              <a:t>RODeO</a:t>
+            </a:r>
+            <a:r>
+              <a:rPr lang="en-US" dirty="0"/>
+              <a:t> can be classified into three bins. 1). utility service data, which refers to retail utility rate information (meter cost, energy and demand charges).  2). Electricity market data, which include energy and reserve prices. 3) other inputs, which refer to additional electrical demand, product output demand, technological assumptions, financial properties, and operational parameters. </a:t>
+            </a:r>
+          </a:p>
+          <a:p>
             <a:endParaRPr lang="en-US" dirty="0"/>
-          </a:p>
-        </p:txBody>
-      </p:sp>
-      <p:sp>
-        <p:nvSpPr>
-          <p:cNvPr id="17" name="TextBox 16">
-            <a:extLst>
-              <a:ext uri="{FF2B5EF4-FFF2-40B4-BE49-F238E27FC236}">
-                <a16:creationId xmlns:a16="http://schemas.microsoft.com/office/drawing/2014/main" id="{9F4E5AFB-6A2F-4C71-8AC9-288F9BF5C2B2}"/>
-              </a:ext>
-            </a:extLst>
-          </p:cNvPr>
-          <p:cNvSpPr txBox="1"/>
-          <p:nvPr/>
-        </p:nvSpPr>
-        <p:spPr>
-          <a:xfrm>
-            <a:off x="2639228" y="2812388"/>
-            <a:ext cx="1170513" cy="369332"/>
-          </a:xfrm>
-          <a:prstGeom prst="rect">
-            <a:avLst/>
-          </a:prstGeom>
-          <a:noFill/>
-        </p:spPr>
-        <p:txBody>
-          <a:bodyPr wrap="none" rtlCol="0">
-            <a:spAutoFit/>
-          </a:bodyPr>
-          <a:lstStyle/>
-          <a:p>
-            <a:r>
-              <a:rPr lang="en-US" dirty="0"/>
-              <a:t>Wholesale</a:t>
-            </a:r>
           </a:p>
         </p:txBody>
       </p:sp>
     </p:spTree>
     <p:extLst>
       <p:ext uri="{BB962C8B-B14F-4D97-AF65-F5344CB8AC3E}">
-        <p14:creationId xmlns:p14="http://schemas.microsoft.com/office/powerpoint/2010/main" val="3294616423"/>
+        <p14:creationId xmlns:p14="http://schemas.microsoft.com/office/powerpoint/2010/main" val="2596846755"/>
       </p:ext>
     </p:extLst>
   </p:cSld>

--- a/Model Slide RODeO.pptx
+++ b/Model Slide RODeO.pptx
@@ -7,13 +7,12 @@
     <p:sldMasterId id="2147483696" r:id="rId3"/>
   </p:sldMasterIdLst>
   <p:notesMasterIdLst>
-    <p:notesMasterId r:id="rId8"/>
+    <p:notesMasterId r:id="rId7"/>
   </p:notesMasterIdLst>
   <p:sldIdLst>
     <p:sldId id="275" r:id="rId4"/>
-    <p:sldId id="278" r:id="rId5"/>
-    <p:sldId id="277" r:id="rId6"/>
-    <p:sldId id="276" r:id="rId7"/>
+    <p:sldId id="277" r:id="rId5"/>
+    <p:sldId id="276" r:id="rId6"/>
   </p:sldIdLst>
   <p:sldSz cx="9144000" cy="6858000" type="screen4x3"/>
   <p:notesSz cx="7010400" cy="9296400"/>
@@ -219,7 +218,7 @@
           <a:p>
             <a:fld id="{DE45BC25-7985-425F-9FBB-3C38CB2116A1}" type="datetimeFigureOut">
               <a:rPr lang="en-US" smtClean="0"/>
-              <a:t>5/12/2020</a:t>
+              <a:t>8/4/2020</a:t>
             </a:fld>
             <a:endParaRPr lang="en-US"/>
           </a:p>
@@ -666,7 +665,7 @@
             <a:fld id="{1D8BD707-D9CF-40AE-B4C6-C98DA3205C09}" type="datetimeFigureOut">
               <a:rPr lang="en-US" smtClean="0"/>
               <a:pPr/>
-              <a:t>5/12/2020</a:t>
+              <a:t>8/4/2020</a:t>
             </a:fld>
             <a:endParaRPr lang="en-US"/>
           </a:p>
@@ -831,7 +830,7 @@
             <a:fld id="{1D8BD707-D9CF-40AE-B4C6-C98DA3205C09}" type="datetimeFigureOut">
               <a:rPr lang="en-US" smtClean="0"/>
               <a:pPr/>
-              <a:t>5/12/2020</a:t>
+              <a:t>8/4/2020</a:t>
             </a:fld>
             <a:endParaRPr lang="en-US"/>
           </a:p>
@@ -1006,7 +1005,7 @@
             <a:fld id="{1D8BD707-D9CF-40AE-B4C6-C98DA3205C09}" type="datetimeFigureOut">
               <a:rPr lang="en-US" smtClean="0"/>
               <a:pPr/>
-              <a:t>5/12/2020</a:t>
+              <a:t>8/4/2020</a:t>
             </a:fld>
             <a:endParaRPr lang="en-US"/>
           </a:p>
@@ -1254,7 +1253,7 @@
                 </a:solidFill>
               </a:rPr>
               <a:pPr/>
-              <a:t>5/12/2020</a:t>
+              <a:t>8/4/2020</a:t>
             </a:fld>
             <a:endParaRPr lang="en-US">
               <a:solidFill>
@@ -1468,7 +1467,7 @@
                 </a:solidFill>
               </a:rPr>
               <a:pPr/>
-              <a:t>5/12/2020</a:t>
+              <a:t>8/4/2020</a:t>
             </a:fld>
             <a:endParaRPr lang="en-US">
               <a:solidFill>
@@ -1748,7 +1747,7 @@
                 </a:solidFill>
               </a:rPr>
               <a:pPr/>
-              <a:t>5/12/2020</a:t>
+              <a:t>8/4/2020</a:t>
             </a:fld>
             <a:endParaRPr lang="en-US">
               <a:solidFill>
@@ -2068,7 +2067,7 @@
                 </a:solidFill>
               </a:rPr>
               <a:pPr/>
-              <a:t>5/12/2020</a:t>
+              <a:t>8/4/2020</a:t>
             </a:fld>
             <a:endParaRPr lang="en-US">
               <a:solidFill>
@@ -2522,7 +2521,7 @@
                 </a:solidFill>
               </a:rPr>
               <a:pPr/>
-              <a:t>5/12/2020</a:t>
+              <a:t>8/4/2020</a:t>
             </a:fld>
             <a:endParaRPr lang="en-US">
               <a:solidFill>
@@ -2674,7 +2673,7 @@
                 </a:solidFill>
               </a:rPr>
               <a:pPr/>
-              <a:t>5/12/2020</a:t>
+              <a:t>8/4/2020</a:t>
             </a:fld>
             <a:endParaRPr lang="en-US">
               <a:solidFill>
@@ -2804,7 +2803,7 @@
                 </a:solidFill>
               </a:rPr>
               <a:pPr/>
-              <a:t>5/12/2020</a:t>
+              <a:t>8/4/2020</a:t>
             </a:fld>
             <a:endParaRPr lang="en-US">
               <a:solidFill>
@@ -3114,7 +3113,7 @@
                 </a:solidFill>
               </a:rPr>
               <a:pPr/>
-              <a:t>5/12/2020</a:t>
+              <a:t>8/4/2020</a:t>
             </a:fld>
             <a:endParaRPr lang="en-US">
               <a:solidFill>
@@ -3311,7 +3310,7 @@
             <a:fld id="{1D8BD707-D9CF-40AE-B4C6-C98DA3205C09}" type="datetimeFigureOut">
               <a:rPr lang="en-US" smtClean="0"/>
               <a:pPr/>
-              <a:t>5/12/2020</a:t>
+              <a:t>8/4/2020</a:t>
             </a:fld>
             <a:endParaRPr lang="en-US"/>
           </a:p>
@@ -3569,7 +3568,7 @@
                 </a:solidFill>
               </a:rPr>
               <a:pPr/>
-              <a:t>5/12/2020</a:t>
+              <a:t>8/4/2020</a:t>
             </a:fld>
             <a:endParaRPr lang="en-US">
               <a:solidFill>
@@ -3772,7 +3771,7 @@
                 </a:solidFill>
               </a:rPr>
               <a:pPr/>
-              <a:t>5/12/2020</a:t>
+              <a:t>8/4/2020</a:t>
             </a:fld>
             <a:endParaRPr lang="en-US">
               <a:solidFill>
@@ -3985,7 +3984,7 @@
                 </a:solidFill>
               </a:rPr>
               <a:pPr/>
-              <a:t>5/12/2020</a:t>
+              <a:t>8/4/2020</a:t>
             </a:fld>
             <a:endParaRPr lang="en-US">
               <a:solidFill>
@@ -4265,7 +4264,7 @@
                 </a:solidFill>
               </a:rPr>
               <a:pPr/>
-              <a:t>5/12/2020</a:t>
+              <a:t>8/4/2020</a:t>
             </a:fld>
             <a:endParaRPr lang="en-US">
               <a:solidFill>
@@ -4479,7 +4478,7 @@
                 </a:solidFill>
               </a:rPr>
               <a:pPr/>
-              <a:t>5/12/2020</a:t>
+              <a:t>8/4/2020</a:t>
             </a:fld>
             <a:endParaRPr lang="en-US">
               <a:solidFill>
@@ -4759,7 +4758,7 @@
                 </a:solidFill>
               </a:rPr>
               <a:pPr/>
-              <a:t>5/12/2020</a:t>
+              <a:t>8/4/2020</a:t>
             </a:fld>
             <a:endParaRPr lang="en-US">
               <a:solidFill>
@@ -5079,7 +5078,7 @@
                 </a:solidFill>
               </a:rPr>
               <a:pPr/>
-              <a:t>5/12/2020</a:t>
+              <a:t>8/4/2020</a:t>
             </a:fld>
             <a:endParaRPr lang="en-US">
               <a:solidFill>
@@ -5533,7 +5532,7 @@
                 </a:solidFill>
               </a:rPr>
               <a:pPr/>
-              <a:t>5/12/2020</a:t>
+              <a:t>8/4/2020</a:t>
             </a:fld>
             <a:endParaRPr lang="en-US">
               <a:solidFill>
@@ -5685,7 +5684,7 @@
                 </a:solidFill>
               </a:rPr>
               <a:pPr/>
-              <a:t>5/12/2020</a:t>
+              <a:t>8/4/2020</a:t>
             </a:fld>
             <a:endParaRPr lang="en-US">
               <a:solidFill>
@@ -5815,7 +5814,7 @@
                 </a:solidFill>
               </a:rPr>
               <a:pPr/>
-              <a:t>5/12/2020</a:t>
+              <a:t>8/4/2020</a:t>
             </a:fld>
             <a:endParaRPr lang="en-US">
               <a:solidFill>
@@ -6089,7 +6088,7 @@
             <a:fld id="{1D8BD707-D9CF-40AE-B4C6-C98DA3205C09}" type="datetimeFigureOut">
               <a:rPr lang="en-US" smtClean="0"/>
               <a:pPr/>
-              <a:t>5/12/2020</a:t>
+              <a:t>8/4/2020</a:t>
             </a:fld>
             <a:endParaRPr lang="en-US"/>
           </a:p>
@@ -6367,7 +6366,7 @@
                 </a:solidFill>
               </a:rPr>
               <a:pPr/>
-              <a:t>5/12/2020</a:t>
+              <a:t>8/4/2020</a:t>
             </a:fld>
             <a:endParaRPr lang="en-US">
               <a:solidFill>
@@ -6657,7 +6656,7 @@
                 </a:solidFill>
               </a:rPr>
               <a:pPr/>
-              <a:t>5/12/2020</a:t>
+              <a:t>8/4/2020</a:t>
             </a:fld>
             <a:endParaRPr lang="en-US">
               <a:solidFill>
@@ -6860,7 +6859,7 @@
                 </a:solidFill>
               </a:rPr>
               <a:pPr/>
-              <a:t>5/12/2020</a:t>
+              <a:t>8/4/2020</a:t>
             </a:fld>
             <a:endParaRPr lang="en-US">
               <a:solidFill>
@@ -7073,7 +7072,7 @@
                 </a:solidFill>
               </a:rPr>
               <a:pPr/>
-              <a:t>5/12/2020</a:t>
+              <a:t>8/4/2020</a:t>
             </a:fld>
             <a:endParaRPr lang="en-US">
               <a:solidFill>
@@ -7387,7 +7386,7 @@
             <a:fld id="{1D8BD707-D9CF-40AE-B4C6-C98DA3205C09}" type="datetimeFigureOut">
               <a:rPr lang="en-US" smtClean="0"/>
               <a:pPr/>
-              <a:t>5/12/2020</a:t>
+              <a:t>8/4/2020</a:t>
             </a:fld>
             <a:endParaRPr lang="en-US"/>
           </a:p>
@@ -7803,7 +7802,7 @@
             <a:fld id="{1D8BD707-D9CF-40AE-B4C6-C98DA3205C09}" type="datetimeFigureOut">
               <a:rPr lang="en-US" smtClean="0"/>
               <a:pPr/>
-              <a:t>5/12/2020</a:t>
+              <a:t>8/4/2020</a:t>
             </a:fld>
             <a:endParaRPr lang="en-US"/>
           </a:p>
@@ -7917,7 +7916,7 @@
             <a:fld id="{1D8BD707-D9CF-40AE-B4C6-C98DA3205C09}" type="datetimeFigureOut">
               <a:rPr lang="en-US" smtClean="0"/>
               <a:pPr/>
-              <a:t>5/12/2020</a:t>
+              <a:t>8/4/2020</a:t>
             </a:fld>
             <a:endParaRPr lang="en-US"/>
           </a:p>
@@ -8009,7 +8008,7 @@
             <a:fld id="{1D8BD707-D9CF-40AE-B4C6-C98DA3205C09}" type="datetimeFigureOut">
               <a:rPr lang="en-US" smtClean="0"/>
               <a:pPr/>
-              <a:t>5/12/2020</a:t>
+              <a:t>8/4/2020</a:t>
             </a:fld>
             <a:endParaRPr lang="en-US"/>
           </a:p>
@@ -8281,7 +8280,7 @@
             <a:fld id="{1D8BD707-D9CF-40AE-B4C6-C98DA3205C09}" type="datetimeFigureOut">
               <a:rPr lang="en-US" smtClean="0"/>
               <a:pPr/>
-              <a:t>5/12/2020</a:t>
+              <a:t>8/4/2020</a:t>
             </a:fld>
             <a:endParaRPr lang="en-US"/>
           </a:p>
@@ -8530,7 +8529,7 @@
             <a:fld id="{1D8BD707-D9CF-40AE-B4C6-C98DA3205C09}" type="datetimeFigureOut">
               <a:rPr lang="en-US" smtClean="0"/>
               <a:pPr/>
-              <a:t>5/12/2020</a:t>
+              <a:t>8/4/2020</a:t>
             </a:fld>
             <a:endParaRPr lang="en-US"/>
           </a:p>
@@ -8738,7 +8737,7 @@
             <a:fld id="{1D8BD707-D9CF-40AE-B4C6-C98DA3205C09}" type="datetimeFigureOut">
               <a:rPr lang="en-US" smtClean="0"/>
               <a:pPr/>
-              <a:t>5/12/2020</a:t>
+              <a:t>8/4/2020</a:t>
             </a:fld>
             <a:endParaRPr lang="en-US"/>
           </a:p>
@@ -9237,7 +9236,7 @@
                 </a:solidFill>
               </a:rPr>
               <a:pPr defTabSz="913972"/>
-              <a:t>5/12/2020</a:t>
+              <a:t>8/4/2020</a:t>
             </a:fld>
             <a:endParaRPr lang="en-US">
               <a:solidFill>
@@ -9891,7 +9890,7 @@
                 </a:solidFill>
               </a:rPr>
               <a:pPr defTabSz="914079"/>
-              <a:t>5/12/2020</a:t>
+              <a:t>8/4/2020</a:t>
             </a:fld>
             <a:endParaRPr lang="en-US">
               <a:solidFill>
@@ -10872,7 +10871,7 @@
             </a:r>
             <a:r>
               <a:rPr lang="en-US" sz="1400" dirty="0"/>
-              <a:t>, Fleet-wide EV bus optimization optimization</a:t>
+              <a:t>, Fleet-wide EV bus optimization, hybrid power plant comparison (PV, wind and hydropower plus storage)</a:t>
             </a:r>
           </a:p>
           <a:p>
@@ -10892,7 +10891,7 @@
             </a:pPr>
             <a:r>
               <a:rPr lang="en-US" sz="1400" dirty="0"/>
-              <a:t>How should a device(s) operate to maximize revenue. With a focus on storage and flexible loads (i.e., electric vehicles, electrolyzer)?</a:t>
+              <a:t>How should a device(s) operate to maximize revenue?</a:t>
             </a:r>
           </a:p>
           <a:p>
@@ -10922,7 +10921,7 @@
             </a:pPr>
             <a:r>
               <a:rPr lang="en-US" sz="1400" dirty="0"/>
-              <a:t>Client and stakeholder involvement: DOE, CARB, PG&amp;E, GO-Biz, EPRI</a:t>
+              <a:t>Client and stakeholder involvement: DOE, CARB, PG&amp;E, GO-Biz, EPRI, SoCalGas</a:t>
             </a:r>
           </a:p>
         </p:txBody>
@@ -11220,576 +11219,6 @@
           <a:chExt cx="0" cy="0"/>
         </a:xfrm>
       </p:grpSpPr>
-      <p:cxnSp>
-        <p:nvCxnSpPr>
-          <p:cNvPr id="5" name="Straight Connector 4"/>
-          <p:cNvCxnSpPr>
-            <a:cxnSpLocks/>
-          </p:cNvCxnSpPr>
-          <p:nvPr/>
-        </p:nvCxnSpPr>
-        <p:spPr>
-          <a:xfrm>
-            <a:off x="483300" y="3515032"/>
-            <a:ext cx="4040370" cy="0"/>
-          </a:xfrm>
-          <a:prstGeom prst="line">
-            <a:avLst/>
-          </a:prstGeom>
-        </p:spPr>
-        <p:style>
-          <a:lnRef idx="1">
-            <a:schemeClr val="accent1"/>
-          </a:lnRef>
-          <a:fillRef idx="0">
-            <a:schemeClr val="accent1"/>
-          </a:fillRef>
-          <a:effectRef idx="0">
-            <a:schemeClr val="accent1"/>
-          </a:effectRef>
-          <a:fontRef idx="minor">
-            <a:schemeClr val="tx1"/>
-          </a:fontRef>
-        </p:style>
-      </p:cxnSp>
-      <p:cxnSp>
-        <p:nvCxnSpPr>
-          <p:cNvPr id="6" name="Straight Connector 5"/>
-          <p:cNvCxnSpPr/>
-          <p:nvPr/>
-        </p:nvCxnSpPr>
-        <p:spPr>
-          <a:xfrm flipV="1">
-            <a:off x="4523670" y="684866"/>
-            <a:ext cx="0" cy="5585220"/>
-          </a:xfrm>
-          <a:prstGeom prst="line">
-            <a:avLst/>
-          </a:prstGeom>
-        </p:spPr>
-        <p:style>
-          <a:lnRef idx="1">
-            <a:schemeClr val="accent1"/>
-          </a:lnRef>
-          <a:fillRef idx="0">
-            <a:schemeClr val="accent1"/>
-          </a:fillRef>
-          <a:effectRef idx="0">
-            <a:schemeClr val="accent1"/>
-          </a:effectRef>
-          <a:fontRef idx="minor">
-            <a:schemeClr val="tx1"/>
-          </a:fontRef>
-        </p:style>
-      </p:cxnSp>
-      <p:sp>
-        <p:nvSpPr>
-          <p:cNvPr id="9" name="TextBox 8"/>
-          <p:cNvSpPr txBox="1"/>
-          <p:nvPr/>
-        </p:nvSpPr>
-        <p:spPr>
-          <a:xfrm>
-            <a:off x="762001" y="121963"/>
-            <a:ext cx="7564207" cy="359850"/>
-          </a:xfrm>
-          <a:prstGeom prst="rect">
-            <a:avLst/>
-          </a:prstGeom>
-          <a:noFill/>
-        </p:spPr>
-        <p:txBody>
-          <a:bodyPr wrap="square" lIns="82048" tIns="41025" rIns="82048" bIns="41025" rtlCol="0">
-            <a:spAutoFit/>
-          </a:bodyPr>
-          <a:lstStyle/>
-          <a:p>
-            <a:pPr algn="ctr"/>
-            <a:r>
-              <a:rPr lang="en-US" b="1" dirty="0"/>
-              <a:t>Revenue, Operation, and Device Optimization Model (</a:t>
-            </a:r>
-            <a:r>
-              <a:rPr lang="en-US" b="1" dirty="0" err="1"/>
-              <a:t>RODeO</a:t>
-            </a:r>
-            <a:r>
-              <a:rPr lang="en-US" b="1" dirty="0"/>
-              <a:t>)</a:t>
-            </a:r>
-          </a:p>
-        </p:txBody>
-      </p:sp>
-      <p:sp>
-        <p:nvSpPr>
-          <p:cNvPr id="12" name="TextBox 11"/>
-          <p:cNvSpPr txBox="1"/>
-          <p:nvPr/>
-        </p:nvSpPr>
-        <p:spPr>
-          <a:xfrm>
-            <a:off x="4653668" y="447301"/>
-            <a:ext cx="4293358" cy="5899828"/>
-          </a:xfrm>
-          <a:prstGeom prst="rect">
-            <a:avLst/>
-          </a:prstGeom>
-          <a:noFill/>
-        </p:spPr>
-        <p:txBody>
-          <a:bodyPr wrap="square" lIns="82048" tIns="41025" rIns="82048" bIns="41025" rtlCol="0">
-            <a:spAutoFit/>
-          </a:bodyPr>
-          <a:lstStyle/>
-          <a:p>
-            <a:r>
-              <a:rPr lang="en-US" sz="1400" b="1" dirty="0"/>
-              <a:t>Model Details</a:t>
-            </a:r>
-          </a:p>
-          <a:p>
-            <a:pPr marL="307682" indent="-307682">
-              <a:buFont typeface="Arial" panose="020B0604020202020204" pitchFamily="34" charset="0"/>
-              <a:buChar char="•"/>
-            </a:pPr>
-            <a:r>
-              <a:rPr lang="en-US" sz="1400" dirty="0"/>
-              <a:t>Name: </a:t>
-            </a:r>
-            <a:r>
-              <a:rPr lang="en-US" sz="1400" dirty="0" err="1"/>
-              <a:t>RODeO</a:t>
-            </a:r>
-            <a:r>
-              <a:rPr lang="en-US" sz="1400" dirty="0"/>
-              <a:t> (Revenue, Operation, and Device Optimization) </a:t>
-            </a:r>
-          </a:p>
-          <a:p>
-            <a:pPr marL="307682" indent="-307682">
-              <a:buFont typeface="Arial" panose="020B0604020202020204" pitchFamily="34" charset="0"/>
-              <a:buChar char="•"/>
-            </a:pPr>
-            <a:r>
-              <a:rPr lang="en-US" sz="1400" dirty="0"/>
-              <a:t>Purpose: Fixed-price optimization</a:t>
-            </a:r>
-          </a:p>
-          <a:p>
-            <a:pPr marL="307682" indent="-307682">
-              <a:buFont typeface="Arial" panose="020B0604020202020204" pitchFamily="34" charset="0"/>
-              <a:buChar char="•"/>
-            </a:pPr>
-            <a:r>
-              <a:rPr lang="en-US" sz="1400" dirty="0"/>
-              <a:t>Temporal Resolution: typically 5min to 1 </a:t>
-            </a:r>
-            <a:r>
-              <a:rPr lang="en-US" sz="1400" dirty="0" err="1"/>
-              <a:t>hr</a:t>
-            </a:r>
-            <a:r>
-              <a:rPr lang="en-US" sz="1400" dirty="0"/>
-              <a:t> but can be adjusted</a:t>
-            </a:r>
-          </a:p>
-          <a:p>
-            <a:pPr marL="307682" indent="-307682">
-              <a:buFont typeface="Arial" panose="020B0604020202020204" pitchFamily="34" charset="0"/>
-              <a:buChar char="•"/>
-            </a:pPr>
-            <a:r>
-              <a:rPr lang="en-US" sz="1400" dirty="0"/>
-              <a:t>Temporal Scope: From 1 month to 3 years</a:t>
-            </a:r>
-          </a:p>
-          <a:p>
-            <a:pPr marL="307682" indent="-307682">
-              <a:buFont typeface="Arial" panose="020B0604020202020204" pitchFamily="34" charset="0"/>
-              <a:buChar char="•"/>
-            </a:pPr>
-            <a:r>
-              <a:rPr lang="en-US" sz="1400" dirty="0"/>
-              <a:t>Spatial Resolution: single location (node/region/etc.)</a:t>
-            </a:r>
-          </a:p>
-          <a:p>
-            <a:pPr marL="307682" indent="-307682">
-              <a:buFont typeface="Arial" panose="020B0604020202020204" pitchFamily="34" charset="0"/>
-              <a:buChar char="•"/>
-            </a:pPr>
-            <a:r>
-              <a:rPr lang="en-US" sz="1400" dirty="0"/>
-              <a:t>Spatial Scope: single location (node/region/etc.) can include many devices but all are aggregated under one node for wholesale or retail price calculations</a:t>
-            </a:r>
-          </a:p>
-          <a:p>
-            <a:pPr marL="307682" indent="-307682">
-              <a:buFont typeface="Arial" panose="020B0604020202020204" pitchFamily="34" charset="0"/>
-              <a:buChar char="•"/>
-            </a:pPr>
-            <a:r>
-              <a:rPr lang="en-US" sz="1400" dirty="0"/>
-              <a:t>System scope: Simulates participation in wholesale and retail, electric and gas markets</a:t>
-            </a:r>
-          </a:p>
-          <a:p>
-            <a:pPr marL="307682" indent="-307682">
-              <a:buFont typeface="Arial" panose="020B0604020202020204" pitchFamily="34" charset="0"/>
-              <a:buChar char="•"/>
-            </a:pPr>
-            <a:r>
-              <a:rPr lang="en-US" sz="1400" dirty="0"/>
-              <a:t>Modeling paradigm: Optimization</a:t>
-            </a:r>
-          </a:p>
-          <a:p>
-            <a:pPr marL="307682" indent="-307682">
-              <a:buFont typeface="Arial" panose="020B0604020202020204" pitchFamily="34" charset="0"/>
-              <a:buChar char="•"/>
-            </a:pPr>
-            <a:r>
-              <a:rPr lang="en-US" sz="1400" dirty="0"/>
-              <a:t>Major processes modeled: Revenue maximization</a:t>
-            </a:r>
-          </a:p>
-          <a:p>
-            <a:pPr marL="307682" indent="-307682">
-              <a:buFont typeface="Arial" panose="020B0604020202020204" pitchFamily="34" charset="0"/>
-              <a:buChar char="•"/>
-            </a:pPr>
-            <a:r>
-              <a:rPr lang="en-US" sz="1400" dirty="0"/>
-              <a:t>Uncertainty treatment: Scenarios</a:t>
-            </a:r>
-          </a:p>
-          <a:p>
-            <a:pPr marL="307682" indent="-307682">
-              <a:buFont typeface="Arial" panose="020B0604020202020204" pitchFamily="34" charset="0"/>
-              <a:buChar char="•"/>
-            </a:pPr>
-            <a:r>
-              <a:rPr lang="en-US" sz="1400" dirty="0"/>
-              <a:t>Computational scalability: Model typically runs fast (30sec – 5 min) and it can be run in parallel</a:t>
-            </a:r>
-          </a:p>
-          <a:p>
-            <a:pPr marL="307682" indent="-307682">
-              <a:buFont typeface="Arial" panose="020B0604020202020204" pitchFamily="34" charset="0"/>
-              <a:buChar char="•"/>
-            </a:pPr>
-            <a:r>
-              <a:rPr lang="en-US" sz="1400" dirty="0"/>
-              <a:t>Use of HPC: Possible</a:t>
-            </a:r>
-          </a:p>
-          <a:p>
-            <a:pPr marL="307682" indent="-307682">
-              <a:buFont typeface="Arial" panose="020B0604020202020204" pitchFamily="34" charset="0"/>
-              <a:buChar char="•"/>
-            </a:pPr>
-            <a:r>
-              <a:rPr lang="en-US" sz="1400" dirty="0"/>
-              <a:t>Primary development organization: NREL</a:t>
-            </a:r>
-          </a:p>
-          <a:p>
-            <a:pPr marL="307682" indent="-307682">
-              <a:buFont typeface="Arial" panose="020B0604020202020204" pitchFamily="34" charset="0"/>
-              <a:buChar char="•"/>
-            </a:pPr>
-            <a:r>
-              <a:rPr lang="en-US" sz="1400" dirty="0"/>
-              <a:t>Source Language: GAMS</a:t>
-            </a:r>
-          </a:p>
-          <a:p>
-            <a:pPr marL="307682" indent="-307682">
-              <a:buFont typeface="Arial" panose="020B0604020202020204" pitchFamily="34" charset="0"/>
-              <a:buChar char="•"/>
-            </a:pPr>
-            <a:r>
-              <a:rPr lang="en-US" sz="1400" dirty="0"/>
-              <a:t>Platform: Cross-platform</a:t>
-            </a:r>
-          </a:p>
-          <a:p>
-            <a:pPr marL="307682" indent="-307682">
-              <a:buFont typeface="Arial" panose="020B0604020202020204" pitchFamily="34" charset="0"/>
-              <a:buChar char="•"/>
-            </a:pPr>
-            <a:r>
-              <a:rPr lang="en-US" sz="1400" dirty="0"/>
-              <a:t>License:  Exploring open-sourcing</a:t>
-            </a:r>
-          </a:p>
-          <a:p>
-            <a:pPr marL="307682" indent="-307682">
-              <a:buFont typeface="Arial" panose="020B0604020202020204" pitchFamily="34" charset="0"/>
-              <a:buChar char="•"/>
-            </a:pPr>
-            <a:r>
-              <a:rPr lang="en-US" sz="1400" dirty="0"/>
-              <a:t>Source: Lab-developed</a:t>
-            </a:r>
-          </a:p>
-          <a:p>
-            <a:pPr marL="307682" indent="-307682">
-              <a:buFont typeface="Arial" panose="020B0604020202020204" pitchFamily="34" charset="0"/>
-              <a:buChar char="•"/>
-            </a:pPr>
-            <a:r>
-              <a:rPr lang="en-US" sz="1400" dirty="0"/>
-              <a:t>Dataset restrictions: None</a:t>
-            </a:r>
-          </a:p>
-          <a:p>
-            <a:pPr marL="307682" indent="-307682">
-              <a:buFont typeface="Arial" panose="020B0604020202020204" pitchFamily="34" charset="0"/>
-              <a:buChar char="•"/>
-            </a:pPr>
-            <a:r>
-              <a:rPr lang="en-US" sz="1400" dirty="0"/>
-              <a:t>NREL PI: </a:t>
-            </a:r>
-            <a:r>
-              <a:rPr lang="en-US" sz="1400" dirty="0">
-                <a:hlinkClick r:id="rId2"/>
-              </a:rPr>
-              <a:t>Joshua.Eichman@NREL.gov</a:t>
-            </a:r>
-            <a:r>
-              <a:rPr lang="en-US" sz="1400" dirty="0"/>
-              <a:t> </a:t>
-            </a:r>
-          </a:p>
-          <a:p>
-            <a:pPr marL="307682" indent="-307682">
-              <a:buFont typeface="Arial" panose="020B0604020202020204" pitchFamily="34" charset="0"/>
-              <a:buChar char="•"/>
-            </a:pPr>
-            <a:r>
-              <a:rPr lang="en-US" sz="1400" dirty="0"/>
-              <a:t>Link: </a:t>
-            </a:r>
-            <a:r>
-              <a:rPr lang="en-US" sz="1400" dirty="0">
-                <a:hlinkClick r:id="rId3"/>
-              </a:rPr>
-              <a:t>https://github.nrel.gov/jeichman/RODeO</a:t>
-            </a:r>
-            <a:r>
-              <a:rPr lang="en-US" sz="1400" dirty="0"/>
-              <a:t> </a:t>
-            </a:r>
-          </a:p>
-        </p:txBody>
-      </p:sp>
-      <p:sp>
-        <p:nvSpPr>
-          <p:cNvPr id="13" name="TextBox 12"/>
-          <p:cNvSpPr txBox="1"/>
-          <p:nvPr/>
-        </p:nvSpPr>
-        <p:spPr>
-          <a:xfrm>
-            <a:off x="167154" y="3542072"/>
-            <a:ext cx="4356516" cy="3314505"/>
-          </a:xfrm>
-          <a:prstGeom prst="rect">
-            <a:avLst/>
-          </a:prstGeom>
-          <a:noFill/>
-        </p:spPr>
-        <p:txBody>
-          <a:bodyPr wrap="square" lIns="82048" tIns="41025" rIns="82048" bIns="41025" rtlCol="0">
-            <a:spAutoFit/>
-          </a:bodyPr>
-          <a:lstStyle/>
-          <a:p>
-            <a:r>
-              <a:rPr lang="en-US" sz="1400" b="1" dirty="0"/>
-              <a:t>Prior Applications</a:t>
-            </a:r>
-          </a:p>
-          <a:p>
-            <a:pPr marL="307682" indent="-307682">
-              <a:buFont typeface="Arial" panose="020B0604020202020204" pitchFamily="34" charset="0"/>
-              <a:buChar char="•"/>
-            </a:pPr>
-            <a:r>
-              <a:rPr lang="en-US" sz="1400" dirty="0">
-                <a:hlinkClick r:id="rId4"/>
-              </a:rPr>
-              <a:t>Multi-market optimization</a:t>
-            </a:r>
-            <a:r>
-              <a:rPr lang="en-US" sz="1400" dirty="0"/>
-              <a:t>, </a:t>
-            </a:r>
-            <a:r>
-              <a:rPr lang="en-US" sz="1400" dirty="0">
-                <a:hlinkClick r:id="rId5"/>
-              </a:rPr>
-              <a:t>Wholesale market revenue comparison</a:t>
-            </a:r>
-            <a:r>
-              <a:rPr lang="en-US" sz="1400" dirty="0"/>
-              <a:t>, </a:t>
-            </a:r>
-            <a:r>
-              <a:rPr lang="en-US" sz="1400" dirty="0">
-                <a:hlinkClick r:id="rId6"/>
-              </a:rPr>
-              <a:t>Hydrogen business case assessment</a:t>
-            </a:r>
-            <a:r>
-              <a:rPr lang="en-US" sz="1400" dirty="0"/>
-              <a:t>, </a:t>
-            </a:r>
-            <a:r>
-              <a:rPr lang="en-US" sz="1400" dirty="0">
-                <a:hlinkClick r:id="rId7"/>
-              </a:rPr>
-              <a:t>Retail rate optimization</a:t>
-            </a:r>
-            <a:r>
-              <a:rPr lang="en-US" sz="1400" dirty="0"/>
-              <a:t>, Off-shore wind farm revenue, </a:t>
-            </a:r>
-            <a:r>
-              <a:rPr lang="en-US" sz="1400" dirty="0">
-                <a:hlinkClick r:id="rId8"/>
-              </a:rPr>
-              <a:t>PV+Storage</a:t>
-            </a:r>
-            <a:r>
-              <a:rPr lang="en-US" sz="1400" dirty="0"/>
-              <a:t>, </a:t>
-            </a:r>
-            <a:r>
-              <a:rPr lang="en-US" sz="1400" dirty="0">
-                <a:hlinkClick r:id="rId9"/>
-              </a:rPr>
-              <a:t>Real-time optimization control of electrolyzer</a:t>
-            </a:r>
-            <a:r>
-              <a:rPr lang="en-US" sz="1400" dirty="0"/>
-              <a:t>, Fleet-wide EV bus optimization optimization</a:t>
-            </a:r>
-          </a:p>
-          <a:p>
-            <a:pPr marL="307682" indent="-307682">
-              <a:buFont typeface="Arial" panose="020B0604020202020204" pitchFamily="34" charset="0"/>
-              <a:buChar char="•"/>
-            </a:pPr>
-            <a:r>
-              <a:rPr lang="en-US" sz="1400" dirty="0"/>
-              <a:t>Research questions: </a:t>
-            </a:r>
-          </a:p>
-          <a:p>
-            <a:pPr marL="764828" lvl="1" indent="-307682">
-              <a:buFont typeface="Arial" panose="020B0604020202020204" pitchFamily="34" charset="0"/>
-              <a:buChar char="•"/>
-            </a:pPr>
-            <a:r>
-              <a:rPr lang="en-US" sz="1400" dirty="0"/>
-              <a:t>How should a device(s) operate to maximize revenue. With a focus on storage and flexible loads (i.e., electric vehicles, electrolyzer)?</a:t>
-            </a:r>
-          </a:p>
-          <a:p>
-            <a:pPr marL="764828" lvl="1" indent="-307682">
-              <a:buFont typeface="Arial" panose="020B0604020202020204" pitchFamily="34" charset="0"/>
-              <a:buChar char="•"/>
-            </a:pPr>
-            <a:r>
-              <a:rPr lang="en-US" sz="1400" dirty="0"/>
-              <a:t>Is a device economically competitive?</a:t>
-            </a:r>
-          </a:p>
-          <a:p>
-            <a:pPr marL="764828" lvl="1" indent="-307682">
-              <a:buFont typeface="Arial" panose="020B0604020202020204" pitchFamily="34" charset="0"/>
-              <a:buChar char="•"/>
-            </a:pPr>
-            <a:r>
-              <a:rPr lang="en-US" sz="1400" dirty="0"/>
-              <a:t>How to optimally stack multiple value streams?</a:t>
-            </a:r>
-          </a:p>
-          <a:p>
-            <a:pPr marL="307682" indent="-307682">
-              <a:buFont typeface="Arial" panose="020B0604020202020204" pitchFamily="34" charset="0"/>
-              <a:buChar char="•"/>
-            </a:pPr>
-            <a:r>
-              <a:rPr lang="en-US" sz="1400" dirty="0"/>
-              <a:t>Client and stakeholder involvement: DOE, CARB, PG&amp;E, GO-Biz, EPRI</a:t>
-            </a:r>
-          </a:p>
-        </p:txBody>
-      </p:sp>
-      <p:pic>
-        <p:nvPicPr>
-          <p:cNvPr id="18" name="Picture 17">
-            <a:extLst>
-              <a:ext uri="{FF2B5EF4-FFF2-40B4-BE49-F238E27FC236}">
-                <a16:creationId xmlns:a16="http://schemas.microsoft.com/office/drawing/2014/main" id="{1F763800-8F6C-4856-9ACD-60FFD379A82F}"/>
-              </a:ext>
-            </a:extLst>
-          </p:cNvPr>
-          <p:cNvPicPr>
-            <a:picLocks noChangeAspect="1"/>
-          </p:cNvPicPr>
-          <p:nvPr/>
-        </p:nvPicPr>
-        <p:blipFill>
-          <a:blip r:embed="rId10"/>
-          <a:stretch>
-            <a:fillRect/>
-          </a:stretch>
-        </p:blipFill>
-        <p:spPr>
-          <a:xfrm>
-            <a:off x="509732" y="515089"/>
-            <a:ext cx="3860447" cy="3026555"/>
-          </a:xfrm>
-          <a:prstGeom prst="rect">
-            <a:avLst/>
-          </a:prstGeom>
-        </p:spPr>
-      </p:pic>
-    </p:spTree>
-    <p:extLst>
-      <p:ext uri="{BB962C8B-B14F-4D97-AF65-F5344CB8AC3E}">
-        <p14:creationId xmlns:p14="http://schemas.microsoft.com/office/powerpoint/2010/main" val="579332585"/>
-      </p:ext>
-    </p:extLst>
-  </p:cSld>
-  <p:clrMapOvr>
-    <a:masterClrMapping/>
-  </p:clrMapOvr>
-</p:sld>
-</file>
-
-<file path=ppt/slides/slide3.xml><?xml version="1.0" encoding="utf-8"?>
-<p:sld xmlns:a="http://schemas.openxmlformats.org/drawingml/2006/main" xmlns:r="http://schemas.openxmlformats.org/officeDocument/2006/relationships" xmlns:p="http://schemas.openxmlformats.org/presentationml/2006/main">
-  <p:cSld>
-    <p:spTree>
-      <p:nvGrpSpPr>
-        <p:cNvPr id="1" name=""/>
-        <p:cNvGrpSpPr/>
-        <p:nvPr/>
-      </p:nvGrpSpPr>
-      <p:grpSpPr>
-        <a:xfrm>
-          <a:off x="0" y="0"/>
-          <a:ext cx="0" cy="0"/>
-          <a:chOff x="0" y="0"/>
-          <a:chExt cx="0" cy="0"/>
-        </a:xfrm>
-      </p:grpSpPr>
       <p:pic>
         <p:nvPicPr>
           <p:cNvPr id="31" name="Picture 30">
@@ -11833,7 +11262,7 @@
 </p:sld>
 </file>
 
-<file path=ppt/slides/slide4.xml><?xml version="1.0" encoding="utf-8"?>
+<file path=ppt/slides/slide3.xml><?xml version="1.0" encoding="utf-8"?>
 <p:sld xmlns:a="http://schemas.openxmlformats.org/drawingml/2006/main" xmlns:r="http://schemas.openxmlformats.org/officeDocument/2006/relationships" xmlns:p="http://schemas.openxmlformats.org/presentationml/2006/main">
   <p:cSld>
     <p:spTree>
